--- a/AI-Prompt App.pptx
+++ b/AI-Prompt App.pptx
@@ -12,6 +12,8 @@
     <p:sldId id="260" r:id="rId6"/>
     <p:sldId id="261" r:id="rId7"/>
     <p:sldId id="262" r:id="rId8"/>
+    <p:sldId id="263" r:id="rId9"/>
+    <p:sldId id="264" r:id="rId10"/>
   </p:sldIdLst>
   <p:sldSz cx="9144000" cy="6858000" type="screen4x3"/>
   <p:notesSz cx="6858000" cy="9144000"/>
@@ -110,6 +112,11 @@
       </a:defRPr>
     </a:lvl9pPr>
   </p:defaultTextStyle>
+  <p:extLst>
+    <p:ext uri="{EFAFB233-063F-42B5-8137-9DF3F51BA10A}">
+      <p15:sldGuideLst xmlns:p15="http://schemas.microsoft.com/office/powerpoint/2012/main"/>
+    </p:ext>
+  </p:extLst>
 </p:presentation>
 </file>
 
@@ -518,7 +525,7 @@
           <a:p>
             <a:fld id="{1D9CC95A-9CAB-41A1-8FBA-8E31F35E5EBD}" type="datetimeFigureOut">
               <a:rPr lang="en-US" smtClean="0"/>
-              <a:t>1/24/2025</a:t>
+              <a:t>1/26/2025</a:t>
             </a:fld>
             <a:endParaRPr lang="en-US"/>
           </a:p>
@@ -702,7 +709,7 @@
           <a:p>
             <a:fld id="{1D9CC95A-9CAB-41A1-8FBA-8E31F35E5EBD}" type="datetimeFigureOut">
               <a:rPr lang="en-US" smtClean="0"/>
-              <a:t>1/24/2025</a:t>
+              <a:t>1/26/2025</a:t>
             </a:fld>
             <a:endParaRPr lang="en-US"/>
           </a:p>
@@ -886,7 +893,7 @@
           <a:p>
             <a:fld id="{1D9CC95A-9CAB-41A1-8FBA-8E31F35E5EBD}" type="datetimeFigureOut">
               <a:rPr lang="en-US" smtClean="0"/>
-              <a:t>1/24/2025</a:t>
+              <a:t>1/26/2025</a:t>
             </a:fld>
             <a:endParaRPr lang="en-US"/>
           </a:p>
@@ -1056,7 +1063,7 @@
           <a:p>
             <a:fld id="{1D9CC95A-9CAB-41A1-8FBA-8E31F35E5EBD}" type="datetimeFigureOut">
               <a:rPr lang="en-US" smtClean="0"/>
-              <a:t>1/24/2025</a:t>
+              <a:t>1/26/2025</a:t>
             </a:fld>
             <a:endParaRPr lang="en-US"/>
           </a:p>
@@ -1381,7 +1388,7 @@
           <a:p>
             <a:fld id="{1D9CC95A-9CAB-41A1-8FBA-8E31F35E5EBD}" type="datetimeFigureOut">
               <a:rPr lang="en-US" smtClean="0"/>
-              <a:t>1/24/2025</a:t>
+              <a:t>1/26/2025</a:t>
             </a:fld>
             <a:endParaRPr lang="en-US"/>
           </a:p>
@@ -1779,7 +1786,7 @@
           <a:p>
             <a:fld id="{1D9CC95A-9CAB-41A1-8FBA-8E31F35E5EBD}" type="datetimeFigureOut">
               <a:rPr lang="en-US" smtClean="0"/>
-              <a:t>1/24/2025</a:t>
+              <a:t>1/26/2025</a:t>
             </a:fld>
             <a:endParaRPr lang="en-US"/>
           </a:p>
@@ -2213,7 +2220,7 @@
           <a:p>
             <a:fld id="{1D9CC95A-9CAB-41A1-8FBA-8E31F35E5EBD}" type="datetimeFigureOut">
               <a:rPr lang="en-US" smtClean="0"/>
-              <a:t>1/24/2025</a:t>
+              <a:t>1/26/2025</a:t>
             </a:fld>
             <a:endParaRPr lang="en-US"/>
           </a:p>
@@ -2341,7 +2348,7 @@
           <a:p>
             <a:fld id="{1D9CC95A-9CAB-41A1-8FBA-8E31F35E5EBD}" type="datetimeFigureOut">
               <a:rPr lang="en-US" smtClean="0"/>
-              <a:t>1/24/2025</a:t>
+              <a:t>1/26/2025</a:t>
             </a:fld>
             <a:endParaRPr lang="en-US"/>
           </a:p>
@@ -2446,7 +2453,7 @@
           <a:p>
             <a:fld id="{1D9CC95A-9CAB-41A1-8FBA-8E31F35E5EBD}" type="datetimeFigureOut">
               <a:rPr lang="en-US" smtClean="0"/>
-              <a:t>1/24/2025</a:t>
+              <a:t>1/26/2025</a:t>
             </a:fld>
             <a:endParaRPr lang="en-US"/>
           </a:p>
@@ -2887,7 +2894,7 @@
           <a:p>
             <a:fld id="{1D9CC95A-9CAB-41A1-8FBA-8E31F35E5EBD}" type="datetimeFigureOut">
               <a:rPr lang="en-US" smtClean="0"/>
-              <a:t>1/24/2025</a:t>
+              <a:t>1/26/2025</a:t>
             </a:fld>
             <a:endParaRPr lang="en-US"/>
           </a:p>
@@ -3314,7 +3321,7 @@
           <a:p>
             <a:fld id="{1D9CC95A-9CAB-41A1-8FBA-8E31F35E5EBD}" type="datetimeFigureOut">
               <a:rPr lang="en-US" smtClean="0"/>
-              <a:t>1/24/2025</a:t>
+              <a:t>1/26/2025</a:t>
             </a:fld>
             <a:endParaRPr lang="en-US"/>
           </a:p>
@@ -3599,7 +3606,7 @@
           <a:p>
             <a:fld id="{1D9CC95A-9CAB-41A1-8FBA-8E31F35E5EBD}" type="datetimeFigureOut">
               <a:rPr lang="en-US" smtClean="0"/>
-              <a:t>1/24/2025</a:t>
+              <a:t>1/26/2025</a:t>
             </a:fld>
             <a:endParaRPr lang="en-US"/>
           </a:p>
@@ -6495,6 +6502,1629 @@
 </p:sld>
 </file>
 
+<file path=ppt/slides/slide8.xml><?xml version="1.0" encoding="utf-8"?>
+<p:sld xmlns:a="http://schemas.openxmlformats.org/drawingml/2006/main" xmlns:r="http://schemas.openxmlformats.org/officeDocument/2006/relationships" xmlns:p="http://schemas.openxmlformats.org/presentationml/2006/main">
+  <p:cSld>
+    <p:spTree>
+      <p:nvGrpSpPr>
+        <p:cNvPr id="1" name=""/>
+        <p:cNvGrpSpPr/>
+        <p:nvPr/>
+      </p:nvGrpSpPr>
+      <p:grpSpPr>
+        <a:xfrm>
+          <a:off x="0" y="0"/>
+          <a:ext cx="0" cy="0"/>
+          <a:chOff x="0" y="0"/>
+          <a:chExt cx="0" cy="0"/>
+        </a:xfrm>
+      </p:grpSpPr>
+      <p:sp>
+        <p:nvSpPr>
+          <p:cNvPr id="10" name="Action Button: Document 9">
+            <a:hlinkClick r:id="" action="ppaction://noaction" highlightClick="1"/>
+            <a:extLst>
+              <a:ext uri="{FF2B5EF4-FFF2-40B4-BE49-F238E27FC236}">
+                <a16:creationId xmlns:a16="http://schemas.microsoft.com/office/drawing/2014/main" id="{4F381C72-3283-9ABE-38CF-749E9637282D}"/>
+              </a:ext>
+            </a:extLst>
+          </p:cNvPr>
+          <p:cNvSpPr/>
+          <p:nvPr/>
+        </p:nvSpPr>
+        <p:spPr>
+          <a:xfrm>
+            <a:off x="846667" y="2446867"/>
+            <a:ext cx="956734" cy="1303866"/>
+          </a:xfrm>
+          <a:prstGeom prst="actionButtonDocument">
+            <a:avLst/>
+          </a:prstGeom>
+          <a:solidFill>
+            <a:schemeClr val="bg1"/>
+          </a:solidFill>
+        </p:spPr>
+        <p:style>
+          <a:lnRef idx="2">
+            <a:schemeClr val="accent1">
+              <a:shade val="15000"/>
+            </a:schemeClr>
+          </a:lnRef>
+          <a:fillRef idx="1">
+            <a:schemeClr val="accent1"/>
+          </a:fillRef>
+          <a:effectRef idx="0">
+            <a:schemeClr val="accent1"/>
+          </a:effectRef>
+          <a:fontRef idx="minor">
+            <a:schemeClr val="lt1"/>
+          </a:fontRef>
+        </p:style>
+        <p:txBody>
+          <a:bodyPr rtlCol="0" anchor="ctr"/>
+          <a:lstStyle/>
+          <a:p>
+            <a:pPr algn="ctr"/>
+            <a:endParaRPr lang="en-US"/>
+          </a:p>
+        </p:txBody>
+      </p:sp>
+      <p:sp>
+        <p:nvSpPr>
+          <p:cNvPr id="11" name="Action Button: Document 10">
+            <a:hlinkClick r:id="" action="ppaction://noaction" highlightClick="1"/>
+            <a:extLst>
+              <a:ext uri="{FF2B5EF4-FFF2-40B4-BE49-F238E27FC236}">
+                <a16:creationId xmlns:a16="http://schemas.microsoft.com/office/drawing/2014/main" id="{7A86882D-5F96-C49A-6950-F078B03EEB18}"/>
+              </a:ext>
+            </a:extLst>
+          </p:cNvPr>
+          <p:cNvSpPr/>
+          <p:nvPr/>
+        </p:nvSpPr>
+        <p:spPr>
+          <a:xfrm>
+            <a:off x="999067" y="2599267"/>
+            <a:ext cx="956734" cy="1303866"/>
+          </a:xfrm>
+          <a:prstGeom prst="actionButtonDocument">
+            <a:avLst/>
+          </a:prstGeom>
+          <a:solidFill>
+            <a:schemeClr val="bg1"/>
+          </a:solidFill>
+        </p:spPr>
+        <p:style>
+          <a:lnRef idx="2">
+            <a:schemeClr val="accent1">
+              <a:shade val="15000"/>
+            </a:schemeClr>
+          </a:lnRef>
+          <a:fillRef idx="1">
+            <a:schemeClr val="accent1"/>
+          </a:fillRef>
+          <a:effectRef idx="0">
+            <a:schemeClr val="accent1"/>
+          </a:effectRef>
+          <a:fontRef idx="minor">
+            <a:schemeClr val="lt1"/>
+          </a:fontRef>
+        </p:style>
+        <p:txBody>
+          <a:bodyPr rtlCol="0" anchor="ctr"/>
+          <a:lstStyle/>
+          <a:p>
+            <a:pPr algn="ctr"/>
+            <a:endParaRPr lang="en-US"/>
+          </a:p>
+        </p:txBody>
+      </p:sp>
+      <p:sp>
+        <p:nvSpPr>
+          <p:cNvPr id="12" name="Action Button: Document 11">
+            <a:hlinkClick r:id="" action="ppaction://noaction" highlightClick="1"/>
+            <a:extLst>
+              <a:ext uri="{FF2B5EF4-FFF2-40B4-BE49-F238E27FC236}">
+                <a16:creationId xmlns:a16="http://schemas.microsoft.com/office/drawing/2014/main" id="{AA199C16-3113-3911-E106-3EC53046C17E}"/>
+              </a:ext>
+            </a:extLst>
+          </p:cNvPr>
+          <p:cNvSpPr/>
+          <p:nvPr/>
+        </p:nvSpPr>
+        <p:spPr>
+          <a:xfrm>
+            <a:off x="1151467" y="2751667"/>
+            <a:ext cx="956734" cy="1303866"/>
+          </a:xfrm>
+          <a:prstGeom prst="actionButtonDocument">
+            <a:avLst/>
+          </a:prstGeom>
+          <a:solidFill>
+            <a:schemeClr val="bg1"/>
+          </a:solidFill>
+        </p:spPr>
+        <p:style>
+          <a:lnRef idx="2">
+            <a:schemeClr val="accent1">
+              <a:shade val="15000"/>
+            </a:schemeClr>
+          </a:lnRef>
+          <a:fillRef idx="1">
+            <a:schemeClr val="accent1"/>
+          </a:fillRef>
+          <a:effectRef idx="0">
+            <a:schemeClr val="accent1"/>
+          </a:effectRef>
+          <a:fontRef idx="minor">
+            <a:schemeClr val="lt1"/>
+          </a:fontRef>
+        </p:style>
+        <p:txBody>
+          <a:bodyPr rtlCol="0" anchor="ctr"/>
+          <a:lstStyle/>
+          <a:p>
+            <a:pPr algn="ctr"/>
+            <a:endParaRPr lang="en-US"/>
+          </a:p>
+        </p:txBody>
+      </p:sp>
+      <p:sp>
+        <p:nvSpPr>
+          <p:cNvPr id="14" name="Rectangle 13">
+            <a:extLst>
+              <a:ext uri="{FF2B5EF4-FFF2-40B4-BE49-F238E27FC236}">
+                <a16:creationId xmlns:a16="http://schemas.microsoft.com/office/drawing/2014/main" id="{83E62F8E-8DA1-9271-FCD7-677CF6D2B3C1}"/>
+              </a:ext>
+            </a:extLst>
+          </p:cNvPr>
+          <p:cNvSpPr/>
+          <p:nvPr/>
+        </p:nvSpPr>
+        <p:spPr>
+          <a:xfrm>
+            <a:off x="3539067" y="2446867"/>
+            <a:ext cx="795867" cy="711200"/>
+          </a:xfrm>
+          <a:prstGeom prst="rect">
+            <a:avLst/>
+          </a:prstGeom>
+        </p:spPr>
+        <p:style>
+          <a:lnRef idx="2">
+            <a:schemeClr val="accent3"/>
+          </a:lnRef>
+          <a:fillRef idx="1">
+            <a:schemeClr val="lt1"/>
+          </a:fillRef>
+          <a:effectRef idx="0">
+            <a:schemeClr val="accent3"/>
+          </a:effectRef>
+          <a:fontRef idx="minor">
+            <a:schemeClr val="dk1"/>
+          </a:fontRef>
+        </p:style>
+        <p:txBody>
+          <a:bodyPr rtlCol="0" anchor="ctr"/>
+          <a:lstStyle/>
+          <a:p>
+            <a:pPr algn="ctr"/>
+            <a:endParaRPr lang="en-US"/>
+          </a:p>
+        </p:txBody>
+      </p:sp>
+      <p:sp>
+        <p:nvSpPr>
+          <p:cNvPr id="15" name="Rectangle 14">
+            <a:extLst>
+              <a:ext uri="{FF2B5EF4-FFF2-40B4-BE49-F238E27FC236}">
+                <a16:creationId xmlns:a16="http://schemas.microsoft.com/office/drawing/2014/main" id="{1CABCEB0-6CF2-E7B1-8913-A3C24EEADA49}"/>
+              </a:ext>
+            </a:extLst>
+          </p:cNvPr>
+          <p:cNvSpPr/>
+          <p:nvPr/>
+        </p:nvSpPr>
+        <p:spPr>
+          <a:xfrm>
+            <a:off x="3691467" y="2599267"/>
+            <a:ext cx="795867" cy="711200"/>
+          </a:xfrm>
+          <a:prstGeom prst="rect">
+            <a:avLst/>
+          </a:prstGeom>
+        </p:spPr>
+        <p:style>
+          <a:lnRef idx="2">
+            <a:schemeClr val="accent3"/>
+          </a:lnRef>
+          <a:fillRef idx="1">
+            <a:schemeClr val="lt1"/>
+          </a:fillRef>
+          <a:effectRef idx="0">
+            <a:schemeClr val="accent3"/>
+          </a:effectRef>
+          <a:fontRef idx="minor">
+            <a:schemeClr val="dk1"/>
+          </a:fontRef>
+        </p:style>
+        <p:txBody>
+          <a:bodyPr rtlCol="0" anchor="ctr"/>
+          <a:lstStyle/>
+          <a:p>
+            <a:pPr algn="ctr"/>
+            <a:endParaRPr lang="en-US"/>
+          </a:p>
+        </p:txBody>
+      </p:sp>
+      <p:sp>
+        <p:nvSpPr>
+          <p:cNvPr id="16" name="Rectangle 15">
+            <a:extLst>
+              <a:ext uri="{FF2B5EF4-FFF2-40B4-BE49-F238E27FC236}">
+                <a16:creationId xmlns:a16="http://schemas.microsoft.com/office/drawing/2014/main" id="{285E82B1-420A-E07D-5B85-822D77C0CEE2}"/>
+              </a:ext>
+            </a:extLst>
+          </p:cNvPr>
+          <p:cNvSpPr/>
+          <p:nvPr/>
+        </p:nvSpPr>
+        <p:spPr>
+          <a:xfrm>
+            <a:off x="3843867" y="2751667"/>
+            <a:ext cx="795867" cy="711200"/>
+          </a:xfrm>
+          <a:prstGeom prst="rect">
+            <a:avLst/>
+          </a:prstGeom>
+        </p:spPr>
+        <p:style>
+          <a:lnRef idx="2">
+            <a:schemeClr val="accent3"/>
+          </a:lnRef>
+          <a:fillRef idx="1">
+            <a:schemeClr val="lt1"/>
+          </a:fillRef>
+          <a:effectRef idx="0">
+            <a:schemeClr val="accent3"/>
+          </a:effectRef>
+          <a:fontRef idx="minor">
+            <a:schemeClr val="dk1"/>
+          </a:fontRef>
+        </p:style>
+        <p:txBody>
+          <a:bodyPr rtlCol="0" anchor="ctr"/>
+          <a:lstStyle/>
+          <a:p>
+            <a:pPr algn="ctr"/>
+            <a:endParaRPr lang="en-US"/>
+          </a:p>
+        </p:txBody>
+      </p:sp>
+      <p:sp>
+        <p:nvSpPr>
+          <p:cNvPr id="17" name="Rectangle 16">
+            <a:extLst>
+              <a:ext uri="{FF2B5EF4-FFF2-40B4-BE49-F238E27FC236}">
+                <a16:creationId xmlns:a16="http://schemas.microsoft.com/office/drawing/2014/main" id="{C7C71E63-81E9-5829-50CF-664FE8A1B1F4}"/>
+              </a:ext>
+            </a:extLst>
+          </p:cNvPr>
+          <p:cNvSpPr/>
+          <p:nvPr/>
+        </p:nvSpPr>
+        <p:spPr>
+          <a:xfrm>
+            <a:off x="3996267" y="2904067"/>
+            <a:ext cx="795867" cy="711200"/>
+          </a:xfrm>
+          <a:prstGeom prst="rect">
+            <a:avLst/>
+          </a:prstGeom>
+        </p:spPr>
+        <p:style>
+          <a:lnRef idx="2">
+            <a:schemeClr val="accent3"/>
+          </a:lnRef>
+          <a:fillRef idx="1">
+            <a:schemeClr val="lt1"/>
+          </a:fillRef>
+          <a:effectRef idx="0">
+            <a:schemeClr val="accent3"/>
+          </a:effectRef>
+          <a:fontRef idx="minor">
+            <a:schemeClr val="dk1"/>
+          </a:fontRef>
+        </p:style>
+        <p:txBody>
+          <a:bodyPr rtlCol="0" anchor="ctr"/>
+          <a:lstStyle/>
+          <a:p>
+            <a:pPr algn="ctr"/>
+            <a:endParaRPr lang="en-US"/>
+          </a:p>
+        </p:txBody>
+      </p:sp>
+      <p:sp>
+        <p:nvSpPr>
+          <p:cNvPr id="18" name="Rectangle 17">
+            <a:extLst>
+              <a:ext uri="{FF2B5EF4-FFF2-40B4-BE49-F238E27FC236}">
+                <a16:creationId xmlns:a16="http://schemas.microsoft.com/office/drawing/2014/main" id="{E21328C8-6C50-AC1A-B13D-7DC8C3E92368}"/>
+              </a:ext>
+            </a:extLst>
+          </p:cNvPr>
+          <p:cNvSpPr/>
+          <p:nvPr/>
+        </p:nvSpPr>
+        <p:spPr>
+          <a:xfrm>
+            <a:off x="4148667" y="3056467"/>
+            <a:ext cx="795867" cy="711200"/>
+          </a:xfrm>
+          <a:prstGeom prst="rect">
+            <a:avLst/>
+          </a:prstGeom>
+        </p:spPr>
+        <p:style>
+          <a:lnRef idx="2">
+            <a:schemeClr val="accent3"/>
+          </a:lnRef>
+          <a:fillRef idx="1">
+            <a:schemeClr val="lt1"/>
+          </a:fillRef>
+          <a:effectRef idx="0">
+            <a:schemeClr val="accent3"/>
+          </a:effectRef>
+          <a:fontRef idx="minor">
+            <a:schemeClr val="dk1"/>
+          </a:fontRef>
+        </p:style>
+        <p:txBody>
+          <a:bodyPr rtlCol="0" anchor="ctr"/>
+          <a:lstStyle/>
+          <a:p>
+            <a:pPr algn="ctr"/>
+            <a:endParaRPr lang="en-US"/>
+          </a:p>
+        </p:txBody>
+      </p:sp>
+      <p:sp>
+        <p:nvSpPr>
+          <p:cNvPr id="19" name="Rectangle 18">
+            <a:extLst>
+              <a:ext uri="{FF2B5EF4-FFF2-40B4-BE49-F238E27FC236}">
+                <a16:creationId xmlns:a16="http://schemas.microsoft.com/office/drawing/2014/main" id="{E2C790C8-A1EA-6DCF-B84A-629AB845DF20}"/>
+              </a:ext>
+            </a:extLst>
+          </p:cNvPr>
+          <p:cNvSpPr/>
+          <p:nvPr/>
+        </p:nvSpPr>
+        <p:spPr>
+          <a:xfrm>
+            <a:off x="4301067" y="3208867"/>
+            <a:ext cx="795867" cy="711200"/>
+          </a:xfrm>
+          <a:prstGeom prst="rect">
+            <a:avLst/>
+          </a:prstGeom>
+        </p:spPr>
+        <p:style>
+          <a:lnRef idx="2">
+            <a:schemeClr val="accent3"/>
+          </a:lnRef>
+          <a:fillRef idx="1">
+            <a:schemeClr val="lt1"/>
+          </a:fillRef>
+          <a:effectRef idx="0">
+            <a:schemeClr val="accent3"/>
+          </a:effectRef>
+          <a:fontRef idx="minor">
+            <a:schemeClr val="dk1"/>
+          </a:fontRef>
+        </p:style>
+        <p:txBody>
+          <a:bodyPr rtlCol="0" anchor="ctr"/>
+          <a:lstStyle/>
+          <a:p>
+            <a:pPr algn="ctr"/>
+            <a:endParaRPr lang="en-US"/>
+          </a:p>
+        </p:txBody>
+      </p:sp>
+      <p:sp>
+        <p:nvSpPr>
+          <p:cNvPr id="20" name="Rectangle 19">
+            <a:extLst>
+              <a:ext uri="{FF2B5EF4-FFF2-40B4-BE49-F238E27FC236}">
+                <a16:creationId xmlns:a16="http://schemas.microsoft.com/office/drawing/2014/main" id="{DF7FA361-A0FC-7100-E519-6466058E9C6A}"/>
+              </a:ext>
+            </a:extLst>
+          </p:cNvPr>
+          <p:cNvSpPr/>
+          <p:nvPr/>
+        </p:nvSpPr>
+        <p:spPr>
+          <a:xfrm>
+            <a:off x="4453467" y="3361267"/>
+            <a:ext cx="795867" cy="711200"/>
+          </a:xfrm>
+          <a:prstGeom prst="rect">
+            <a:avLst/>
+          </a:prstGeom>
+        </p:spPr>
+        <p:style>
+          <a:lnRef idx="2">
+            <a:schemeClr val="accent3"/>
+          </a:lnRef>
+          <a:fillRef idx="1">
+            <a:schemeClr val="lt1"/>
+          </a:fillRef>
+          <a:effectRef idx="0">
+            <a:schemeClr val="accent3"/>
+          </a:effectRef>
+          <a:fontRef idx="minor">
+            <a:schemeClr val="dk1"/>
+          </a:fontRef>
+        </p:style>
+        <p:txBody>
+          <a:bodyPr rtlCol="0" anchor="ctr"/>
+          <a:lstStyle/>
+          <a:p>
+            <a:pPr algn="ctr"/>
+            <a:endParaRPr lang="en-US"/>
+          </a:p>
+        </p:txBody>
+      </p:sp>
+      <p:sp>
+        <p:nvSpPr>
+          <p:cNvPr id="21" name="Flowchart: Magnetic Disk 20">
+            <a:extLst>
+              <a:ext uri="{FF2B5EF4-FFF2-40B4-BE49-F238E27FC236}">
+                <a16:creationId xmlns:a16="http://schemas.microsoft.com/office/drawing/2014/main" id="{D702A452-9E71-3129-40F8-28D03FAB09A7}"/>
+              </a:ext>
+            </a:extLst>
+          </p:cNvPr>
+          <p:cNvSpPr/>
+          <p:nvPr/>
+        </p:nvSpPr>
+        <p:spPr>
+          <a:xfrm>
+            <a:off x="6951134" y="2446867"/>
+            <a:ext cx="1363133" cy="1786466"/>
+          </a:xfrm>
+          <a:prstGeom prst="flowChartMagneticDisk">
+            <a:avLst/>
+          </a:prstGeom>
+          <a:ln w="19050"/>
+        </p:spPr>
+        <p:style>
+          <a:lnRef idx="2">
+            <a:schemeClr val="accent3"/>
+          </a:lnRef>
+          <a:fillRef idx="1">
+            <a:schemeClr val="lt1"/>
+          </a:fillRef>
+          <a:effectRef idx="0">
+            <a:schemeClr val="accent3"/>
+          </a:effectRef>
+          <a:fontRef idx="minor">
+            <a:schemeClr val="dk1"/>
+          </a:fontRef>
+        </p:style>
+        <p:txBody>
+          <a:bodyPr rtlCol="0" anchor="ctr"/>
+          <a:lstStyle/>
+          <a:p>
+            <a:pPr algn="ctr"/>
+            <a:endParaRPr lang="en-US"/>
+          </a:p>
+        </p:txBody>
+      </p:sp>
+      <p:sp>
+        <p:nvSpPr>
+          <p:cNvPr id="22" name="Arrow: Right 21">
+            <a:extLst>
+              <a:ext uri="{FF2B5EF4-FFF2-40B4-BE49-F238E27FC236}">
+                <a16:creationId xmlns:a16="http://schemas.microsoft.com/office/drawing/2014/main" id="{4E185789-F47D-B59A-C482-6248BB00B7AB}"/>
+              </a:ext>
+            </a:extLst>
+          </p:cNvPr>
+          <p:cNvSpPr/>
+          <p:nvPr/>
+        </p:nvSpPr>
+        <p:spPr>
+          <a:xfrm>
+            <a:off x="2167470" y="3361267"/>
+            <a:ext cx="1397000" cy="254000"/>
+          </a:xfrm>
+          <a:prstGeom prst="rightArrow">
+            <a:avLst/>
+          </a:prstGeom>
+        </p:spPr>
+        <p:style>
+          <a:lnRef idx="2">
+            <a:schemeClr val="accent3"/>
+          </a:lnRef>
+          <a:fillRef idx="1">
+            <a:schemeClr val="lt1"/>
+          </a:fillRef>
+          <a:effectRef idx="0">
+            <a:schemeClr val="accent3"/>
+          </a:effectRef>
+          <a:fontRef idx="minor">
+            <a:schemeClr val="dk1"/>
+          </a:fontRef>
+        </p:style>
+        <p:txBody>
+          <a:bodyPr rtlCol="0" anchor="ctr"/>
+          <a:lstStyle/>
+          <a:p>
+            <a:pPr algn="ctr"/>
+            <a:endParaRPr lang="en-US"/>
+          </a:p>
+        </p:txBody>
+      </p:sp>
+      <p:sp>
+        <p:nvSpPr>
+          <p:cNvPr id="23" name="Arrow: Right 22">
+            <a:extLst>
+              <a:ext uri="{FF2B5EF4-FFF2-40B4-BE49-F238E27FC236}">
+                <a16:creationId xmlns:a16="http://schemas.microsoft.com/office/drawing/2014/main" id="{F851293B-AB93-E7BA-F165-EA1A2AA6656C}"/>
+              </a:ext>
+            </a:extLst>
+          </p:cNvPr>
+          <p:cNvSpPr/>
+          <p:nvPr/>
+        </p:nvSpPr>
+        <p:spPr>
+          <a:xfrm>
+            <a:off x="5376331" y="3403600"/>
+            <a:ext cx="1397000" cy="254000"/>
+          </a:xfrm>
+          <a:prstGeom prst="rightArrow">
+            <a:avLst/>
+          </a:prstGeom>
+        </p:spPr>
+        <p:style>
+          <a:lnRef idx="2">
+            <a:schemeClr val="accent3"/>
+          </a:lnRef>
+          <a:fillRef idx="1">
+            <a:schemeClr val="lt1"/>
+          </a:fillRef>
+          <a:effectRef idx="0">
+            <a:schemeClr val="accent3"/>
+          </a:effectRef>
+          <a:fontRef idx="minor">
+            <a:schemeClr val="dk1"/>
+          </a:fontRef>
+        </p:style>
+        <p:txBody>
+          <a:bodyPr rtlCol="0" anchor="ctr"/>
+          <a:lstStyle/>
+          <a:p>
+            <a:pPr algn="ctr"/>
+            <a:endParaRPr lang="en-US"/>
+          </a:p>
+        </p:txBody>
+      </p:sp>
+      <p:sp>
+        <p:nvSpPr>
+          <p:cNvPr id="24" name="TextBox 23">
+            <a:extLst>
+              <a:ext uri="{FF2B5EF4-FFF2-40B4-BE49-F238E27FC236}">
+                <a16:creationId xmlns:a16="http://schemas.microsoft.com/office/drawing/2014/main" id="{A9FFD5A7-BCCB-29FE-3812-D33ADCD0B18F}"/>
+              </a:ext>
+            </a:extLst>
+          </p:cNvPr>
+          <p:cNvSpPr txBox="1"/>
+          <p:nvPr/>
+        </p:nvSpPr>
+        <p:spPr>
+          <a:xfrm>
+            <a:off x="1035051" y="3716867"/>
+            <a:ext cx="1189566" cy="307777"/>
+          </a:xfrm>
+          <a:prstGeom prst="rect">
+            <a:avLst/>
+          </a:prstGeom>
+          <a:noFill/>
+        </p:spPr>
+        <p:txBody>
+          <a:bodyPr wrap="square" rtlCol="0">
+            <a:spAutoFit/>
+          </a:bodyPr>
+          <a:lstStyle/>
+          <a:p>
+            <a:pPr algn="ctr"/>
+            <a:r>
+              <a:rPr lang="en-US" sz="1400" dirty="0"/>
+              <a:t>Documents</a:t>
+            </a:r>
+          </a:p>
+        </p:txBody>
+      </p:sp>
+      <p:sp>
+        <p:nvSpPr>
+          <p:cNvPr id="25" name="TextBox 24">
+            <a:extLst>
+              <a:ext uri="{FF2B5EF4-FFF2-40B4-BE49-F238E27FC236}">
+                <a16:creationId xmlns:a16="http://schemas.microsoft.com/office/drawing/2014/main" id="{D647E945-4EB7-8413-7D94-A7874C3F1D48}"/>
+              </a:ext>
+            </a:extLst>
+          </p:cNvPr>
+          <p:cNvSpPr txBox="1"/>
+          <p:nvPr/>
+        </p:nvSpPr>
+        <p:spPr>
+          <a:xfrm>
+            <a:off x="2142068" y="2791023"/>
+            <a:ext cx="1189566" cy="523220"/>
+          </a:xfrm>
+          <a:prstGeom prst="rect">
+            <a:avLst/>
+          </a:prstGeom>
+          <a:noFill/>
+        </p:spPr>
+        <p:txBody>
+          <a:bodyPr wrap="square" rtlCol="0">
+            <a:spAutoFit/>
+          </a:bodyPr>
+          <a:lstStyle/>
+          <a:p>
+            <a:pPr algn="ctr"/>
+            <a:r>
+              <a:rPr lang="en-US" sz="1400" dirty="0"/>
+              <a:t>Split into Chunks</a:t>
+            </a:r>
+          </a:p>
+        </p:txBody>
+      </p:sp>
+      <p:sp>
+        <p:nvSpPr>
+          <p:cNvPr id="26" name="TextBox 25">
+            <a:extLst>
+              <a:ext uri="{FF2B5EF4-FFF2-40B4-BE49-F238E27FC236}">
+                <a16:creationId xmlns:a16="http://schemas.microsoft.com/office/drawing/2014/main" id="{3C87ED89-8AF8-779C-D364-623A19ECCCCA}"/>
+              </a:ext>
+            </a:extLst>
+          </p:cNvPr>
+          <p:cNvSpPr txBox="1"/>
+          <p:nvPr/>
+        </p:nvSpPr>
+        <p:spPr>
+          <a:xfrm>
+            <a:off x="5340352" y="2782556"/>
+            <a:ext cx="1305982" cy="523220"/>
+          </a:xfrm>
+          <a:prstGeom prst="rect">
+            <a:avLst/>
+          </a:prstGeom>
+          <a:noFill/>
+        </p:spPr>
+        <p:txBody>
+          <a:bodyPr wrap="square" rtlCol="0">
+            <a:spAutoFit/>
+          </a:bodyPr>
+          <a:lstStyle/>
+          <a:p>
+            <a:pPr algn="ctr"/>
+            <a:r>
+              <a:rPr lang="en-US" sz="1400" dirty="0"/>
+              <a:t>Create Embeddings</a:t>
+            </a:r>
+          </a:p>
+        </p:txBody>
+      </p:sp>
+      <p:sp>
+        <p:nvSpPr>
+          <p:cNvPr id="27" name="TextBox 26">
+            <a:extLst>
+              <a:ext uri="{FF2B5EF4-FFF2-40B4-BE49-F238E27FC236}">
+                <a16:creationId xmlns:a16="http://schemas.microsoft.com/office/drawing/2014/main" id="{89580AD3-750F-2A7D-001F-68C67CDC27A0}"/>
+              </a:ext>
+            </a:extLst>
+          </p:cNvPr>
+          <p:cNvSpPr txBox="1"/>
+          <p:nvPr/>
+        </p:nvSpPr>
+        <p:spPr>
+          <a:xfrm>
+            <a:off x="7040035" y="3596844"/>
+            <a:ext cx="1189566" cy="523220"/>
+          </a:xfrm>
+          <a:prstGeom prst="rect">
+            <a:avLst/>
+          </a:prstGeom>
+          <a:noFill/>
+        </p:spPr>
+        <p:txBody>
+          <a:bodyPr wrap="square" rtlCol="0">
+            <a:spAutoFit/>
+          </a:bodyPr>
+          <a:lstStyle/>
+          <a:p>
+            <a:pPr algn="ctr"/>
+            <a:r>
+              <a:rPr lang="en-US" sz="1400" dirty="0"/>
+              <a:t>Vector store</a:t>
+            </a:r>
+          </a:p>
+          <a:p>
+            <a:pPr algn="ctr"/>
+            <a:endParaRPr lang="en-US" sz="1400" dirty="0"/>
+          </a:p>
+        </p:txBody>
+      </p:sp>
+      <p:sp>
+        <p:nvSpPr>
+          <p:cNvPr id="35" name="TextBox 34">
+            <a:extLst>
+              <a:ext uri="{FF2B5EF4-FFF2-40B4-BE49-F238E27FC236}">
+                <a16:creationId xmlns:a16="http://schemas.microsoft.com/office/drawing/2014/main" id="{1BDC5321-3AFF-4020-8F61-79245DB8A14D}"/>
+              </a:ext>
+            </a:extLst>
+          </p:cNvPr>
+          <p:cNvSpPr txBox="1"/>
+          <p:nvPr/>
+        </p:nvSpPr>
+        <p:spPr>
+          <a:xfrm>
+            <a:off x="5441952" y="3658457"/>
+            <a:ext cx="1189566" cy="523220"/>
+          </a:xfrm>
+          <a:prstGeom prst="rect">
+            <a:avLst/>
+          </a:prstGeom>
+          <a:noFill/>
+        </p:spPr>
+        <p:txBody>
+          <a:bodyPr wrap="square" rtlCol="0">
+            <a:spAutoFit/>
+          </a:bodyPr>
+          <a:lstStyle/>
+          <a:p>
+            <a:pPr algn="ctr"/>
+            <a:r>
+              <a:rPr lang="en-US" sz="1400" dirty="0">
+                <a:solidFill>
+                  <a:schemeClr val="accent4">
+                    <a:lumMod val="40000"/>
+                    <a:lumOff val="60000"/>
+                  </a:schemeClr>
+                </a:solidFill>
+              </a:rPr>
+              <a:t>Amazon TITAN</a:t>
+            </a:r>
+          </a:p>
+        </p:txBody>
+      </p:sp>
+      <p:sp>
+        <p:nvSpPr>
+          <p:cNvPr id="36" name="TextBox 35">
+            <a:extLst>
+              <a:ext uri="{FF2B5EF4-FFF2-40B4-BE49-F238E27FC236}">
+                <a16:creationId xmlns:a16="http://schemas.microsoft.com/office/drawing/2014/main" id="{835737DF-1C7F-15F2-52FE-DBB45E2FD901}"/>
+              </a:ext>
+            </a:extLst>
+          </p:cNvPr>
+          <p:cNvSpPr txBox="1"/>
+          <p:nvPr/>
+        </p:nvSpPr>
+        <p:spPr>
+          <a:xfrm>
+            <a:off x="6951134" y="1879601"/>
+            <a:ext cx="1189566" cy="338554"/>
+          </a:xfrm>
+          <a:prstGeom prst="rect">
+            <a:avLst/>
+          </a:prstGeom>
+          <a:noFill/>
+        </p:spPr>
+        <p:txBody>
+          <a:bodyPr wrap="square" rtlCol="0">
+            <a:spAutoFit/>
+          </a:bodyPr>
+          <a:lstStyle/>
+          <a:p>
+            <a:pPr algn="ctr"/>
+            <a:r>
+              <a:rPr lang="en-US" sz="1600" dirty="0">
+                <a:solidFill>
+                  <a:schemeClr val="accent4">
+                    <a:lumMod val="40000"/>
+                    <a:lumOff val="60000"/>
+                  </a:schemeClr>
+                </a:solidFill>
+              </a:rPr>
+              <a:t>FAISS</a:t>
+            </a:r>
+          </a:p>
+        </p:txBody>
+      </p:sp>
+    </p:spTree>
+    <p:extLst>
+      <p:ext uri="{BB962C8B-B14F-4D97-AF65-F5344CB8AC3E}">
+        <p14:creationId xmlns:p14="http://schemas.microsoft.com/office/powerpoint/2010/main" val="1424560833"/>
+      </p:ext>
+    </p:extLst>
+  </p:cSld>
+  <p:clrMapOvr>
+    <a:masterClrMapping/>
+  </p:clrMapOvr>
+</p:sld>
+</file>
+
+<file path=ppt/slides/slide9.xml><?xml version="1.0" encoding="utf-8"?>
+<p:sld xmlns:a="http://schemas.openxmlformats.org/drawingml/2006/main" xmlns:r="http://schemas.openxmlformats.org/officeDocument/2006/relationships" xmlns:p="http://schemas.openxmlformats.org/presentationml/2006/main">
+  <p:cSld>
+    <p:spTree>
+      <p:nvGrpSpPr>
+        <p:cNvPr id="1" name="">
+          <a:extLst>
+            <a:ext uri="{FF2B5EF4-FFF2-40B4-BE49-F238E27FC236}">
+              <a16:creationId xmlns:a16="http://schemas.microsoft.com/office/drawing/2014/main" id="{00F8AEDC-3025-BE8B-73B7-76D9160FB6B8}"/>
+            </a:ext>
+          </a:extLst>
+        </p:cNvPr>
+        <p:cNvGrpSpPr/>
+        <p:nvPr/>
+      </p:nvGrpSpPr>
+      <p:grpSpPr>
+        <a:xfrm>
+          <a:off x="0" y="0"/>
+          <a:ext cx="0" cy="0"/>
+          <a:chOff x="0" y="0"/>
+          <a:chExt cx="0" cy="0"/>
+        </a:xfrm>
+      </p:grpSpPr>
+      <p:sp>
+        <p:nvSpPr>
+          <p:cNvPr id="21" name="Flowchart: Magnetic Disk 20">
+            <a:extLst>
+              <a:ext uri="{FF2B5EF4-FFF2-40B4-BE49-F238E27FC236}">
+                <a16:creationId xmlns:a16="http://schemas.microsoft.com/office/drawing/2014/main" id="{9EF38951-F783-8406-9CE7-484F62456E4C}"/>
+              </a:ext>
+            </a:extLst>
+          </p:cNvPr>
+          <p:cNvSpPr/>
+          <p:nvPr/>
+        </p:nvSpPr>
+        <p:spPr>
+          <a:xfrm>
+            <a:off x="2342219" y="3815153"/>
+            <a:ext cx="1189566" cy="1583267"/>
+          </a:xfrm>
+          <a:prstGeom prst="flowChartMagneticDisk">
+            <a:avLst/>
+          </a:prstGeom>
+          <a:solidFill>
+            <a:schemeClr val="accent3">
+              <a:lumMod val="20000"/>
+              <a:lumOff val="80000"/>
+            </a:schemeClr>
+          </a:solidFill>
+          <a:ln w="19050"/>
+        </p:spPr>
+        <p:style>
+          <a:lnRef idx="2">
+            <a:schemeClr val="accent3"/>
+          </a:lnRef>
+          <a:fillRef idx="1">
+            <a:schemeClr val="lt1"/>
+          </a:fillRef>
+          <a:effectRef idx="0">
+            <a:schemeClr val="accent3"/>
+          </a:effectRef>
+          <a:fontRef idx="minor">
+            <a:schemeClr val="dk1"/>
+          </a:fontRef>
+        </p:style>
+        <p:txBody>
+          <a:bodyPr rtlCol="0" anchor="ctr"/>
+          <a:lstStyle/>
+          <a:p>
+            <a:pPr algn="ctr"/>
+            <a:endParaRPr lang="en-US"/>
+          </a:p>
+        </p:txBody>
+      </p:sp>
+      <p:sp>
+        <p:nvSpPr>
+          <p:cNvPr id="27" name="TextBox 26">
+            <a:extLst>
+              <a:ext uri="{FF2B5EF4-FFF2-40B4-BE49-F238E27FC236}">
+                <a16:creationId xmlns:a16="http://schemas.microsoft.com/office/drawing/2014/main" id="{B771BAA9-826C-7206-843D-03ACB3617BF8}"/>
+              </a:ext>
+            </a:extLst>
+          </p:cNvPr>
+          <p:cNvSpPr txBox="1"/>
+          <p:nvPr/>
+        </p:nvSpPr>
+        <p:spPr>
+          <a:xfrm>
+            <a:off x="2374402" y="4876800"/>
+            <a:ext cx="1205324" cy="523220"/>
+          </a:xfrm>
+          <a:prstGeom prst="rect">
+            <a:avLst/>
+          </a:prstGeom>
+          <a:noFill/>
+        </p:spPr>
+        <p:txBody>
+          <a:bodyPr wrap="square" rtlCol="0">
+            <a:spAutoFit/>
+          </a:bodyPr>
+          <a:lstStyle/>
+          <a:p>
+            <a:pPr algn="ctr"/>
+            <a:r>
+              <a:rPr lang="en-US" sz="1400" dirty="0"/>
+              <a:t>Vector store</a:t>
+            </a:r>
+          </a:p>
+          <a:p>
+            <a:pPr algn="ctr"/>
+            <a:endParaRPr lang="en-US" sz="1400" dirty="0"/>
+          </a:p>
+        </p:txBody>
+      </p:sp>
+      <p:sp>
+        <p:nvSpPr>
+          <p:cNvPr id="2" name="Rectangle 1">
+            <a:extLst>
+              <a:ext uri="{FF2B5EF4-FFF2-40B4-BE49-F238E27FC236}">
+                <a16:creationId xmlns:a16="http://schemas.microsoft.com/office/drawing/2014/main" id="{9BE929E6-E7DB-D22C-8609-DFBB71E87D92}"/>
+              </a:ext>
+            </a:extLst>
+          </p:cNvPr>
+          <p:cNvSpPr/>
+          <p:nvPr/>
+        </p:nvSpPr>
+        <p:spPr>
+          <a:xfrm>
+            <a:off x="499538" y="2514600"/>
+            <a:ext cx="1583267" cy="414867"/>
+          </a:xfrm>
+          <a:prstGeom prst="rect">
+            <a:avLst/>
+          </a:prstGeom>
+          <a:solidFill>
+            <a:schemeClr val="bg1"/>
+          </a:solidFill>
+        </p:spPr>
+        <p:style>
+          <a:lnRef idx="2">
+            <a:schemeClr val="accent1">
+              <a:shade val="15000"/>
+            </a:schemeClr>
+          </a:lnRef>
+          <a:fillRef idx="1">
+            <a:schemeClr val="accent1"/>
+          </a:fillRef>
+          <a:effectRef idx="0">
+            <a:schemeClr val="accent1"/>
+          </a:effectRef>
+          <a:fontRef idx="minor">
+            <a:schemeClr val="lt1"/>
+          </a:fontRef>
+        </p:style>
+        <p:txBody>
+          <a:bodyPr rtlCol="0" anchor="ctr"/>
+          <a:lstStyle/>
+          <a:p>
+            <a:pPr algn="ctr"/>
+            <a:endParaRPr lang="en-US"/>
+          </a:p>
+        </p:txBody>
+      </p:sp>
+      <p:sp>
+        <p:nvSpPr>
+          <p:cNvPr id="3" name="Flowchart: Connector 2">
+            <a:extLst>
+              <a:ext uri="{FF2B5EF4-FFF2-40B4-BE49-F238E27FC236}">
+                <a16:creationId xmlns:a16="http://schemas.microsoft.com/office/drawing/2014/main" id="{38F81B83-A7A2-C52F-42FC-2B7251822205}"/>
+              </a:ext>
+            </a:extLst>
+          </p:cNvPr>
+          <p:cNvSpPr/>
+          <p:nvPr/>
+        </p:nvSpPr>
+        <p:spPr>
+          <a:xfrm>
+            <a:off x="5698068" y="2061633"/>
+            <a:ext cx="1278467" cy="1185334"/>
+          </a:xfrm>
+          <a:prstGeom prst="flowChartConnector">
+            <a:avLst/>
+          </a:prstGeom>
+          <a:solidFill>
+            <a:schemeClr val="bg2"/>
+          </a:solidFill>
+        </p:spPr>
+        <p:style>
+          <a:lnRef idx="2">
+            <a:schemeClr val="accent3"/>
+          </a:lnRef>
+          <a:fillRef idx="1">
+            <a:schemeClr val="lt1"/>
+          </a:fillRef>
+          <a:effectRef idx="0">
+            <a:schemeClr val="accent3"/>
+          </a:effectRef>
+          <a:fontRef idx="minor">
+            <a:schemeClr val="dk1"/>
+          </a:fontRef>
+        </p:style>
+        <p:txBody>
+          <a:bodyPr rtlCol="0" anchor="ctr"/>
+          <a:lstStyle/>
+          <a:p>
+            <a:pPr algn="ctr"/>
+            <a:endParaRPr lang="en-US"/>
+          </a:p>
+        </p:txBody>
+      </p:sp>
+      <p:sp>
+        <p:nvSpPr>
+          <p:cNvPr id="4" name="Rectangle 3">
+            <a:extLst>
+              <a:ext uri="{FF2B5EF4-FFF2-40B4-BE49-F238E27FC236}">
+                <a16:creationId xmlns:a16="http://schemas.microsoft.com/office/drawing/2014/main" id="{93B67DDE-2707-F38A-8B28-48F8A56DA49A}"/>
+              </a:ext>
+            </a:extLst>
+          </p:cNvPr>
+          <p:cNvSpPr/>
+          <p:nvPr/>
+        </p:nvSpPr>
+        <p:spPr>
+          <a:xfrm>
+            <a:off x="4649853" y="3989397"/>
+            <a:ext cx="1038098" cy="1073669"/>
+          </a:xfrm>
+          <a:prstGeom prst="rect">
+            <a:avLst/>
+          </a:prstGeom>
+        </p:spPr>
+        <p:style>
+          <a:lnRef idx="2">
+            <a:schemeClr val="accent3"/>
+          </a:lnRef>
+          <a:fillRef idx="1">
+            <a:schemeClr val="lt1"/>
+          </a:fillRef>
+          <a:effectRef idx="0">
+            <a:schemeClr val="accent3"/>
+          </a:effectRef>
+          <a:fontRef idx="minor">
+            <a:schemeClr val="dk1"/>
+          </a:fontRef>
+        </p:style>
+        <p:txBody>
+          <a:bodyPr rtlCol="0" anchor="ctr"/>
+          <a:lstStyle/>
+          <a:p>
+            <a:pPr algn="ctr"/>
+            <a:endParaRPr lang="en-US"/>
+          </a:p>
+        </p:txBody>
+      </p:sp>
+      <p:sp>
+        <p:nvSpPr>
+          <p:cNvPr id="5" name="Rectangle 4">
+            <a:extLst>
+              <a:ext uri="{FF2B5EF4-FFF2-40B4-BE49-F238E27FC236}">
+                <a16:creationId xmlns:a16="http://schemas.microsoft.com/office/drawing/2014/main" id="{FE5B3EE0-E3AA-F92F-A191-4AFB2500C7C9}"/>
+              </a:ext>
+            </a:extLst>
+          </p:cNvPr>
+          <p:cNvSpPr/>
+          <p:nvPr/>
+        </p:nvSpPr>
+        <p:spPr>
+          <a:xfrm>
+            <a:off x="4802253" y="4141797"/>
+            <a:ext cx="1038098" cy="1073669"/>
+          </a:xfrm>
+          <a:prstGeom prst="rect">
+            <a:avLst/>
+          </a:prstGeom>
+        </p:spPr>
+        <p:style>
+          <a:lnRef idx="2">
+            <a:schemeClr val="accent3"/>
+          </a:lnRef>
+          <a:fillRef idx="1">
+            <a:schemeClr val="lt1"/>
+          </a:fillRef>
+          <a:effectRef idx="0">
+            <a:schemeClr val="accent3"/>
+          </a:effectRef>
+          <a:fontRef idx="minor">
+            <a:schemeClr val="dk1"/>
+          </a:fontRef>
+        </p:style>
+        <p:txBody>
+          <a:bodyPr rtlCol="0" anchor="ctr"/>
+          <a:lstStyle/>
+          <a:p>
+            <a:pPr algn="ctr"/>
+            <a:endParaRPr lang="en-US"/>
+          </a:p>
+        </p:txBody>
+      </p:sp>
+      <p:sp>
+        <p:nvSpPr>
+          <p:cNvPr id="6" name="Cloud 5">
+            <a:extLst>
+              <a:ext uri="{FF2B5EF4-FFF2-40B4-BE49-F238E27FC236}">
+                <a16:creationId xmlns:a16="http://schemas.microsoft.com/office/drawing/2014/main" id="{C1361899-FCF1-3B3C-D94A-BB249619F803}"/>
+              </a:ext>
+            </a:extLst>
+          </p:cNvPr>
+          <p:cNvSpPr/>
+          <p:nvPr/>
+        </p:nvSpPr>
+        <p:spPr>
+          <a:xfrm>
+            <a:off x="7662336" y="2125133"/>
+            <a:ext cx="1278467" cy="1058334"/>
+          </a:xfrm>
+          <a:prstGeom prst="cloud">
+            <a:avLst/>
+          </a:prstGeom>
+        </p:spPr>
+        <p:style>
+          <a:lnRef idx="2">
+            <a:schemeClr val="accent4"/>
+          </a:lnRef>
+          <a:fillRef idx="1">
+            <a:schemeClr val="lt1"/>
+          </a:fillRef>
+          <a:effectRef idx="0">
+            <a:schemeClr val="accent4"/>
+          </a:effectRef>
+          <a:fontRef idx="minor">
+            <a:schemeClr val="dk1"/>
+          </a:fontRef>
+        </p:style>
+        <p:txBody>
+          <a:bodyPr rtlCol="0" anchor="ctr"/>
+          <a:lstStyle/>
+          <a:p>
+            <a:pPr algn="ctr"/>
+            <a:endParaRPr lang="en-US"/>
+          </a:p>
+        </p:txBody>
+      </p:sp>
+      <p:sp>
+        <p:nvSpPr>
+          <p:cNvPr id="7" name="Arrow: Right 6">
+            <a:extLst>
+              <a:ext uri="{FF2B5EF4-FFF2-40B4-BE49-F238E27FC236}">
+                <a16:creationId xmlns:a16="http://schemas.microsoft.com/office/drawing/2014/main" id="{B27A12A4-6F0F-6E57-ABAE-23C49568F034}"/>
+              </a:ext>
+            </a:extLst>
+          </p:cNvPr>
+          <p:cNvSpPr/>
+          <p:nvPr/>
+        </p:nvSpPr>
+        <p:spPr>
+          <a:xfrm>
+            <a:off x="2286000" y="2641600"/>
+            <a:ext cx="3217333" cy="227003"/>
+          </a:xfrm>
+          <a:prstGeom prst="rightArrow">
+            <a:avLst/>
+          </a:prstGeom>
+        </p:spPr>
+        <p:style>
+          <a:lnRef idx="2">
+            <a:schemeClr val="accent3"/>
+          </a:lnRef>
+          <a:fillRef idx="1">
+            <a:schemeClr val="lt1"/>
+          </a:fillRef>
+          <a:effectRef idx="0">
+            <a:schemeClr val="accent3"/>
+          </a:effectRef>
+          <a:fontRef idx="minor">
+            <a:schemeClr val="dk1"/>
+          </a:fontRef>
+        </p:style>
+        <p:txBody>
+          <a:bodyPr rtlCol="0" anchor="ctr"/>
+          <a:lstStyle/>
+          <a:p>
+            <a:pPr algn="ctr"/>
+            <a:endParaRPr lang="en-US"/>
+          </a:p>
+        </p:txBody>
+      </p:sp>
+      <p:sp>
+        <p:nvSpPr>
+          <p:cNvPr id="8" name="Arrow: Bent-Up 7">
+            <a:extLst>
+              <a:ext uri="{FF2B5EF4-FFF2-40B4-BE49-F238E27FC236}">
+                <a16:creationId xmlns:a16="http://schemas.microsoft.com/office/drawing/2014/main" id="{88260A7D-782C-E562-60C6-28B59DC00747}"/>
+              </a:ext>
+            </a:extLst>
+          </p:cNvPr>
+          <p:cNvSpPr/>
+          <p:nvPr/>
+        </p:nvSpPr>
+        <p:spPr>
+          <a:xfrm rot="5400000">
+            <a:off x="899324" y="3718724"/>
+            <a:ext cx="1858952" cy="457200"/>
+          </a:xfrm>
+          <a:prstGeom prst="bentUpArrow">
+            <a:avLst>
+              <a:gd name="adj1" fmla="val 23198"/>
+              <a:gd name="adj2" fmla="val 34152"/>
+              <a:gd name="adj3" fmla="val 23438"/>
+            </a:avLst>
+          </a:prstGeom>
+        </p:spPr>
+        <p:style>
+          <a:lnRef idx="2">
+            <a:schemeClr val="accent3"/>
+          </a:lnRef>
+          <a:fillRef idx="1">
+            <a:schemeClr val="lt1"/>
+          </a:fillRef>
+          <a:effectRef idx="0">
+            <a:schemeClr val="accent3"/>
+          </a:effectRef>
+          <a:fontRef idx="minor">
+            <a:schemeClr val="dk1"/>
+          </a:fontRef>
+        </p:style>
+        <p:txBody>
+          <a:bodyPr rtlCol="0" anchor="ctr"/>
+          <a:lstStyle/>
+          <a:p>
+            <a:pPr algn="ctr"/>
+            <a:endParaRPr lang="en-US"/>
+          </a:p>
+        </p:txBody>
+      </p:sp>
+      <p:sp>
+        <p:nvSpPr>
+          <p:cNvPr id="9" name="Arrow: Right 8">
+            <a:extLst>
+              <a:ext uri="{FF2B5EF4-FFF2-40B4-BE49-F238E27FC236}">
+                <a16:creationId xmlns:a16="http://schemas.microsoft.com/office/drawing/2014/main" id="{46427575-C750-E515-B17F-14F30F421B81}"/>
+              </a:ext>
+            </a:extLst>
+          </p:cNvPr>
+          <p:cNvSpPr/>
+          <p:nvPr/>
+        </p:nvSpPr>
+        <p:spPr>
+          <a:xfrm>
+            <a:off x="3632210" y="4678631"/>
+            <a:ext cx="876301" cy="227003"/>
+          </a:xfrm>
+          <a:prstGeom prst="rightArrow">
+            <a:avLst/>
+          </a:prstGeom>
+        </p:spPr>
+        <p:style>
+          <a:lnRef idx="2">
+            <a:schemeClr val="accent3"/>
+          </a:lnRef>
+          <a:fillRef idx="1">
+            <a:schemeClr val="lt1"/>
+          </a:fillRef>
+          <a:effectRef idx="0">
+            <a:schemeClr val="accent3"/>
+          </a:effectRef>
+          <a:fontRef idx="minor">
+            <a:schemeClr val="dk1"/>
+          </a:fontRef>
+        </p:style>
+        <p:txBody>
+          <a:bodyPr rtlCol="0" anchor="ctr"/>
+          <a:lstStyle/>
+          <a:p>
+            <a:pPr algn="ctr"/>
+            <a:endParaRPr lang="en-US"/>
+          </a:p>
+        </p:txBody>
+      </p:sp>
+      <p:sp>
+        <p:nvSpPr>
+          <p:cNvPr id="13" name="Arrow: Bent-Up 12">
+            <a:extLst>
+              <a:ext uri="{FF2B5EF4-FFF2-40B4-BE49-F238E27FC236}">
+                <a16:creationId xmlns:a16="http://schemas.microsoft.com/office/drawing/2014/main" id="{8DB00871-FF16-84F8-256B-8060F7E74765}"/>
+              </a:ext>
+            </a:extLst>
+          </p:cNvPr>
+          <p:cNvSpPr/>
+          <p:nvPr/>
+        </p:nvSpPr>
+        <p:spPr>
+          <a:xfrm>
+            <a:off x="5992752" y="3344333"/>
+            <a:ext cx="568916" cy="1302270"/>
+          </a:xfrm>
+          <a:prstGeom prst="bentUpArrow">
+            <a:avLst>
+              <a:gd name="adj1" fmla="val 23198"/>
+              <a:gd name="adj2" fmla="val 34152"/>
+              <a:gd name="adj3" fmla="val 23438"/>
+            </a:avLst>
+          </a:prstGeom>
+        </p:spPr>
+        <p:style>
+          <a:lnRef idx="2">
+            <a:schemeClr val="accent3"/>
+          </a:lnRef>
+          <a:fillRef idx="1">
+            <a:schemeClr val="lt1"/>
+          </a:fillRef>
+          <a:effectRef idx="0">
+            <a:schemeClr val="accent3"/>
+          </a:effectRef>
+          <a:fontRef idx="minor">
+            <a:schemeClr val="dk1"/>
+          </a:fontRef>
+        </p:style>
+        <p:txBody>
+          <a:bodyPr rtlCol="0" anchor="ctr"/>
+          <a:lstStyle/>
+          <a:p>
+            <a:pPr algn="ctr"/>
+            <a:endParaRPr lang="en-US"/>
+          </a:p>
+        </p:txBody>
+      </p:sp>
+      <p:sp>
+        <p:nvSpPr>
+          <p:cNvPr id="28" name="Arrow: Right 27">
+            <a:extLst>
+              <a:ext uri="{FF2B5EF4-FFF2-40B4-BE49-F238E27FC236}">
+                <a16:creationId xmlns:a16="http://schemas.microsoft.com/office/drawing/2014/main" id="{D37F276A-15ED-3A32-DCC5-BA1BC34BF018}"/>
+              </a:ext>
+            </a:extLst>
+          </p:cNvPr>
+          <p:cNvSpPr/>
+          <p:nvPr/>
+        </p:nvSpPr>
+        <p:spPr>
+          <a:xfrm>
+            <a:off x="7018870" y="2610109"/>
+            <a:ext cx="601131" cy="213468"/>
+          </a:xfrm>
+          <a:prstGeom prst="rightArrow">
+            <a:avLst/>
+          </a:prstGeom>
+        </p:spPr>
+        <p:style>
+          <a:lnRef idx="2">
+            <a:schemeClr val="accent3"/>
+          </a:lnRef>
+          <a:fillRef idx="1">
+            <a:schemeClr val="lt1"/>
+          </a:fillRef>
+          <a:effectRef idx="0">
+            <a:schemeClr val="accent3"/>
+          </a:effectRef>
+          <a:fontRef idx="minor">
+            <a:schemeClr val="dk1"/>
+          </a:fontRef>
+        </p:style>
+        <p:txBody>
+          <a:bodyPr rtlCol="0" anchor="ctr"/>
+          <a:lstStyle/>
+          <a:p>
+            <a:pPr algn="ctr"/>
+            <a:endParaRPr lang="en-US"/>
+          </a:p>
+        </p:txBody>
+      </p:sp>
+      <p:sp>
+        <p:nvSpPr>
+          <p:cNvPr id="29" name="TextBox 28">
+            <a:extLst>
+              <a:ext uri="{FF2B5EF4-FFF2-40B4-BE49-F238E27FC236}">
+                <a16:creationId xmlns:a16="http://schemas.microsoft.com/office/drawing/2014/main" id="{C5A6198A-DAFC-4F6A-DB14-8467711B4CCE}"/>
+              </a:ext>
+            </a:extLst>
+          </p:cNvPr>
+          <p:cNvSpPr txBox="1"/>
+          <p:nvPr/>
+        </p:nvSpPr>
+        <p:spPr>
+          <a:xfrm>
+            <a:off x="762284" y="2530049"/>
+            <a:ext cx="1032655" cy="338554"/>
+          </a:xfrm>
+          <a:prstGeom prst="rect">
+            <a:avLst/>
+          </a:prstGeom>
+          <a:noFill/>
+        </p:spPr>
+        <p:txBody>
+          <a:bodyPr wrap="none" rtlCol="0">
+            <a:spAutoFit/>
+          </a:bodyPr>
+          <a:lstStyle/>
+          <a:p>
+            <a:r>
+              <a:rPr lang="en-US" sz="1600" dirty="0"/>
+              <a:t>Question</a:t>
+            </a:r>
+          </a:p>
+        </p:txBody>
+      </p:sp>
+      <p:sp>
+        <p:nvSpPr>
+          <p:cNvPr id="30" name="TextBox 29">
+            <a:extLst>
+              <a:ext uri="{FF2B5EF4-FFF2-40B4-BE49-F238E27FC236}">
+                <a16:creationId xmlns:a16="http://schemas.microsoft.com/office/drawing/2014/main" id="{E89C3A0F-59CF-C15D-6921-2411ADA6568B}"/>
+              </a:ext>
+            </a:extLst>
+          </p:cNvPr>
+          <p:cNvSpPr txBox="1"/>
+          <p:nvPr/>
+        </p:nvSpPr>
+        <p:spPr>
+          <a:xfrm>
+            <a:off x="1224151" y="4876800"/>
+            <a:ext cx="1038099" cy="738664"/>
+          </a:xfrm>
+          <a:prstGeom prst="rect">
+            <a:avLst/>
+          </a:prstGeom>
+          <a:noFill/>
+        </p:spPr>
+        <p:txBody>
+          <a:bodyPr wrap="square" rtlCol="0">
+            <a:spAutoFit/>
+          </a:bodyPr>
+          <a:lstStyle/>
+          <a:p>
+            <a:pPr algn="ctr"/>
+            <a:r>
+              <a:rPr lang="en-US" sz="1400" dirty="0"/>
+              <a:t>Similarity Search</a:t>
+            </a:r>
+          </a:p>
+          <a:p>
+            <a:pPr algn="ctr"/>
+            <a:endParaRPr lang="en-US" sz="1400" dirty="0"/>
+          </a:p>
+        </p:txBody>
+      </p:sp>
+      <p:sp>
+        <p:nvSpPr>
+          <p:cNvPr id="31" name="TextBox 30">
+            <a:extLst>
+              <a:ext uri="{FF2B5EF4-FFF2-40B4-BE49-F238E27FC236}">
+                <a16:creationId xmlns:a16="http://schemas.microsoft.com/office/drawing/2014/main" id="{47BE5ED9-7EC0-3985-131A-4284D171E712}"/>
+              </a:ext>
+            </a:extLst>
+          </p:cNvPr>
+          <p:cNvSpPr txBox="1"/>
+          <p:nvPr/>
+        </p:nvSpPr>
+        <p:spPr>
+          <a:xfrm>
+            <a:off x="3595740" y="4885269"/>
+            <a:ext cx="1038099" cy="738664"/>
+          </a:xfrm>
+          <a:prstGeom prst="rect">
+            <a:avLst/>
+          </a:prstGeom>
+          <a:noFill/>
+        </p:spPr>
+        <p:txBody>
+          <a:bodyPr wrap="square" rtlCol="0">
+            <a:spAutoFit/>
+          </a:bodyPr>
+          <a:lstStyle/>
+          <a:p>
+            <a:pPr algn="ctr"/>
+            <a:r>
+              <a:rPr lang="en-US" sz="1400" dirty="0"/>
+              <a:t>Relevant Chunks</a:t>
+            </a:r>
+          </a:p>
+          <a:p>
+            <a:pPr algn="ctr"/>
+            <a:endParaRPr lang="en-US" sz="1400" dirty="0"/>
+          </a:p>
+        </p:txBody>
+      </p:sp>
+      <p:sp>
+        <p:nvSpPr>
+          <p:cNvPr id="32" name="TextBox 31">
+            <a:extLst>
+              <a:ext uri="{FF2B5EF4-FFF2-40B4-BE49-F238E27FC236}">
+                <a16:creationId xmlns:a16="http://schemas.microsoft.com/office/drawing/2014/main" id="{C2F3D8A6-2B8E-3F61-63FB-9D407E85C7C7}"/>
+              </a:ext>
+            </a:extLst>
+          </p:cNvPr>
+          <p:cNvSpPr txBox="1"/>
+          <p:nvPr/>
+        </p:nvSpPr>
+        <p:spPr>
+          <a:xfrm>
+            <a:off x="6129195" y="2496182"/>
+            <a:ext cx="579005" cy="338554"/>
+          </a:xfrm>
+          <a:prstGeom prst="rect">
+            <a:avLst/>
+          </a:prstGeom>
+          <a:noFill/>
+        </p:spPr>
+        <p:txBody>
+          <a:bodyPr wrap="none" rtlCol="0">
+            <a:spAutoFit/>
+          </a:bodyPr>
+          <a:lstStyle/>
+          <a:p>
+            <a:r>
+              <a:rPr lang="en-US" sz="1600" dirty="0"/>
+              <a:t>LLM</a:t>
+            </a:r>
+          </a:p>
+        </p:txBody>
+      </p:sp>
+      <p:sp>
+        <p:nvSpPr>
+          <p:cNvPr id="33" name="TextBox 32">
+            <a:extLst>
+              <a:ext uri="{FF2B5EF4-FFF2-40B4-BE49-F238E27FC236}">
+                <a16:creationId xmlns:a16="http://schemas.microsoft.com/office/drawing/2014/main" id="{30C9FC53-CA74-2A90-E23A-B3F55D46201B}"/>
+              </a:ext>
+            </a:extLst>
+          </p:cNvPr>
+          <p:cNvSpPr txBox="1"/>
+          <p:nvPr/>
+        </p:nvSpPr>
+        <p:spPr>
+          <a:xfrm>
+            <a:off x="7854331" y="2485023"/>
+            <a:ext cx="894476" cy="338554"/>
+          </a:xfrm>
+          <a:prstGeom prst="rect">
+            <a:avLst/>
+          </a:prstGeom>
+          <a:noFill/>
+        </p:spPr>
+        <p:txBody>
+          <a:bodyPr wrap="none" rtlCol="0">
+            <a:spAutoFit/>
+          </a:bodyPr>
+          <a:lstStyle/>
+          <a:p>
+            <a:r>
+              <a:rPr lang="en-US" sz="1600" dirty="0"/>
+              <a:t>Answer</a:t>
+            </a:r>
+          </a:p>
+        </p:txBody>
+      </p:sp>
+    </p:spTree>
+    <p:extLst>
+      <p:ext uri="{BB962C8B-B14F-4D97-AF65-F5344CB8AC3E}">
+        <p14:creationId xmlns:p14="http://schemas.microsoft.com/office/powerpoint/2010/main" val="3076044634"/>
+      </p:ext>
+    </p:extLst>
+  </p:cSld>
+  <p:clrMapOvr>
+    <a:masterClrMapping/>
+  </p:clrMapOvr>
+</p:sld>
+</file>
+
 <file path=ppt/theme/theme1.xml><?xml version="1.0" encoding="utf-8"?>
 <a:theme xmlns:a="http://schemas.openxmlformats.org/drawingml/2006/main" name="Wood Type">
   <a:themeElements>

--- a/AI-Prompt App.pptx
+++ b/AI-Prompt App.pptx
@@ -5,15 +5,16 @@
     <p:sldMasterId id="2147483672" r:id="rId1"/>
   </p:sldMasterIdLst>
   <p:sldIdLst>
-    <p:sldId id="256" r:id="rId2"/>
-    <p:sldId id="257" r:id="rId3"/>
-    <p:sldId id="258" r:id="rId4"/>
-    <p:sldId id="259" r:id="rId5"/>
-    <p:sldId id="260" r:id="rId6"/>
-    <p:sldId id="261" r:id="rId7"/>
-    <p:sldId id="262" r:id="rId8"/>
-    <p:sldId id="263" r:id="rId9"/>
-    <p:sldId id="264" r:id="rId10"/>
+    <p:sldId id="265" r:id="rId2"/>
+    <p:sldId id="256" r:id="rId3"/>
+    <p:sldId id="257" r:id="rId4"/>
+    <p:sldId id="258" r:id="rId5"/>
+    <p:sldId id="259" r:id="rId6"/>
+    <p:sldId id="260" r:id="rId7"/>
+    <p:sldId id="261" r:id="rId8"/>
+    <p:sldId id="262" r:id="rId9"/>
+    <p:sldId id="263" r:id="rId10"/>
+    <p:sldId id="264" r:id="rId11"/>
   </p:sldIdLst>
   <p:sldSz cx="9144000" cy="6858000" type="screen4x3"/>
   <p:notesSz cx="6858000" cy="9144000"/>
@@ -4083,6 +4084,840 @@
   <p:cSld>
     <p:spTree>
       <p:nvGrpSpPr>
+        <p:cNvPr id="1" name="">
+          <a:extLst>
+            <a:ext uri="{FF2B5EF4-FFF2-40B4-BE49-F238E27FC236}">
+              <a16:creationId xmlns:a16="http://schemas.microsoft.com/office/drawing/2014/main" id="{2BF0038B-D8CC-9E9F-6820-EBCD6371DE58}"/>
+            </a:ext>
+          </a:extLst>
+        </p:cNvPr>
+        <p:cNvGrpSpPr/>
+        <p:nvPr/>
+      </p:nvGrpSpPr>
+      <p:grpSpPr>
+        <a:xfrm>
+          <a:off x="0" y="0"/>
+          <a:ext cx="0" cy="0"/>
+          <a:chOff x="0" y="0"/>
+          <a:chExt cx="0" cy="0"/>
+        </a:xfrm>
+      </p:grpSpPr>
+      <p:pic>
+        <p:nvPicPr>
+          <p:cNvPr id="11" name="Picture 10">
+            <a:extLst>
+              <a:ext uri="{FF2B5EF4-FFF2-40B4-BE49-F238E27FC236}">
+                <a16:creationId xmlns:a16="http://schemas.microsoft.com/office/drawing/2014/main" id="{8EC3598B-59D3-44FA-9FC3-7119E158D4EE}"/>
+              </a:ext>
+            </a:extLst>
+          </p:cNvPr>
+          <p:cNvPicPr>
+            <a:picLocks noChangeAspect="1"/>
+          </p:cNvPicPr>
+          <p:nvPr/>
+        </p:nvPicPr>
+        <p:blipFill>
+          <a:blip r:embed="rId2"/>
+          <a:stretch>
+            <a:fillRect/>
+          </a:stretch>
+        </p:blipFill>
+        <p:spPr>
+          <a:xfrm>
+            <a:off x="125344" y="0"/>
+            <a:ext cx="8893311" cy="5334000"/>
+          </a:xfrm>
+          <a:prstGeom prst="rect">
+            <a:avLst/>
+          </a:prstGeom>
+        </p:spPr>
+      </p:pic>
+    </p:spTree>
+    <p:extLst>
+      <p:ext uri="{BB962C8B-B14F-4D97-AF65-F5344CB8AC3E}">
+        <p14:creationId xmlns:p14="http://schemas.microsoft.com/office/powerpoint/2010/main" val="2693803568"/>
+      </p:ext>
+    </p:extLst>
+  </p:cSld>
+  <p:clrMapOvr>
+    <a:masterClrMapping/>
+  </p:clrMapOvr>
+</p:sld>
+</file>
+
+<file path=ppt/slides/slide10.xml><?xml version="1.0" encoding="utf-8"?>
+<p:sld xmlns:a="http://schemas.openxmlformats.org/drawingml/2006/main" xmlns:r="http://schemas.openxmlformats.org/officeDocument/2006/relationships" xmlns:p="http://schemas.openxmlformats.org/presentationml/2006/main">
+  <p:cSld>
+    <p:spTree>
+      <p:nvGrpSpPr>
+        <p:cNvPr id="1" name="">
+          <a:extLst>
+            <a:ext uri="{FF2B5EF4-FFF2-40B4-BE49-F238E27FC236}">
+              <a16:creationId xmlns:a16="http://schemas.microsoft.com/office/drawing/2014/main" id="{00F8AEDC-3025-BE8B-73B7-76D9160FB6B8}"/>
+            </a:ext>
+          </a:extLst>
+        </p:cNvPr>
+        <p:cNvGrpSpPr/>
+        <p:nvPr/>
+      </p:nvGrpSpPr>
+      <p:grpSpPr>
+        <a:xfrm>
+          <a:off x="0" y="0"/>
+          <a:ext cx="0" cy="0"/>
+          <a:chOff x="0" y="0"/>
+          <a:chExt cx="0" cy="0"/>
+        </a:xfrm>
+      </p:grpSpPr>
+      <p:sp>
+        <p:nvSpPr>
+          <p:cNvPr id="21" name="Flowchart: Magnetic Disk 20">
+            <a:extLst>
+              <a:ext uri="{FF2B5EF4-FFF2-40B4-BE49-F238E27FC236}">
+                <a16:creationId xmlns:a16="http://schemas.microsoft.com/office/drawing/2014/main" id="{9EF38951-F783-8406-9CE7-484F62456E4C}"/>
+              </a:ext>
+            </a:extLst>
+          </p:cNvPr>
+          <p:cNvSpPr/>
+          <p:nvPr/>
+        </p:nvSpPr>
+        <p:spPr>
+          <a:xfrm>
+            <a:off x="2342219" y="3815153"/>
+            <a:ext cx="1189566" cy="1583267"/>
+          </a:xfrm>
+          <a:prstGeom prst="flowChartMagneticDisk">
+            <a:avLst/>
+          </a:prstGeom>
+          <a:solidFill>
+            <a:schemeClr val="accent3">
+              <a:lumMod val="20000"/>
+              <a:lumOff val="80000"/>
+            </a:schemeClr>
+          </a:solidFill>
+          <a:ln w="19050"/>
+        </p:spPr>
+        <p:style>
+          <a:lnRef idx="2">
+            <a:schemeClr val="accent3"/>
+          </a:lnRef>
+          <a:fillRef idx="1">
+            <a:schemeClr val="lt1"/>
+          </a:fillRef>
+          <a:effectRef idx="0">
+            <a:schemeClr val="accent3"/>
+          </a:effectRef>
+          <a:fontRef idx="minor">
+            <a:schemeClr val="dk1"/>
+          </a:fontRef>
+        </p:style>
+        <p:txBody>
+          <a:bodyPr rtlCol="0" anchor="ctr"/>
+          <a:lstStyle/>
+          <a:p>
+            <a:pPr algn="ctr"/>
+            <a:endParaRPr lang="en-US"/>
+          </a:p>
+        </p:txBody>
+      </p:sp>
+      <p:sp>
+        <p:nvSpPr>
+          <p:cNvPr id="27" name="TextBox 26">
+            <a:extLst>
+              <a:ext uri="{FF2B5EF4-FFF2-40B4-BE49-F238E27FC236}">
+                <a16:creationId xmlns:a16="http://schemas.microsoft.com/office/drawing/2014/main" id="{B771BAA9-826C-7206-843D-03ACB3617BF8}"/>
+              </a:ext>
+            </a:extLst>
+          </p:cNvPr>
+          <p:cNvSpPr txBox="1"/>
+          <p:nvPr/>
+        </p:nvSpPr>
+        <p:spPr>
+          <a:xfrm>
+            <a:off x="2374402" y="4876800"/>
+            <a:ext cx="1205324" cy="523220"/>
+          </a:xfrm>
+          <a:prstGeom prst="rect">
+            <a:avLst/>
+          </a:prstGeom>
+          <a:noFill/>
+        </p:spPr>
+        <p:txBody>
+          <a:bodyPr wrap="square" rtlCol="0">
+            <a:spAutoFit/>
+          </a:bodyPr>
+          <a:lstStyle/>
+          <a:p>
+            <a:pPr algn="ctr"/>
+            <a:r>
+              <a:rPr lang="en-US" sz="1400" dirty="0"/>
+              <a:t>Vector store</a:t>
+            </a:r>
+          </a:p>
+          <a:p>
+            <a:pPr algn="ctr"/>
+            <a:endParaRPr lang="en-US" sz="1400" dirty="0"/>
+          </a:p>
+        </p:txBody>
+      </p:sp>
+      <p:sp>
+        <p:nvSpPr>
+          <p:cNvPr id="2" name="Rectangle 1">
+            <a:extLst>
+              <a:ext uri="{FF2B5EF4-FFF2-40B4-BE49-F238E27FC236}">
+                <a16:creationId xmlns:a16="http://schemas.microsoft.com/office/drawing/2014/main" id="{9BE929E6-E7DB-D22C-8609-DFBB71E87D92}"/>
+              </a:ext>
+            </a:extLst>
+          </p:cNvPr>
+          <p:cNvSpPr/>
+          <p:nvPr/>
+        </p:nvSpPr>
+        <p:spPr>
+          <a:xfrm>
+            <a:off x="499538" y="2514600"/>
+            <a:ext cx="1583267" cy="414867"/>
+          </a:xfrm>
+          <a:prstGeom prst="rect">
+            <a:avLst/>
+          </a:prstGeom>
+          <a:solidFill>
+            <a:schemeClr val="bg1"/>
+          </a:solidFill>
+        </p:spPr>
+        <p:style>
+          <a:lnRef idx="2">
+            <a:schemeClr val="accent1">
+              <a:shade val="15000"/>
+            </a:schemeClr>
+          </a:lnRef>
+          <a:fillRef idx="1">
+            <a:schemeClr val="accent1"/>
+          </a:fillRef>
+          <a:effectRef idx="0">
+            <a:schemeClr val="accent1"/>
+          </a:effectRef>
+          <a:fontRef idx="minor">
+            <a:schemeClr val="lt1"/>
+          </a:fontRef>
+        </p:style>
+        <p:txBody>
+          <a:bodyPr rtlCol="0" anchor="ctr"/>
+          <a:lstStyle/>
+          <a:p>
+            <a:pPr algn="ctr"/>
+            <a:endParaRPr lang="en-US"/>
+          </a:p>
+        </p:txBody>
+      </p:sp>
+      <p:sp>
+        <p:nvSpPr>
+          <p:cNvPr id="3" name="Flowchart: Connector 2">
+            <a:extLst>
+              <a:ext uri="{FF2B5EF4-FFF2-40B4-BE49-F238E27FC236}">
+                <a16:creationId xmlns:a16="http://schemas.microsoft.com/office/drawing/2014/main" id="{38F81B83-A7A2-C52F-42FC-2B7251822205}"/>
+              </a:ext>
+            </a:extLst>
+          </p:cNvPr>
+          <p:cNvSpPr/>
+          <p:nvPr/>
+        </p:nvSpPr>
+        <p:spPr>
+          <a:xfrm>
+            <a:off x="5698068" y="2061633"/>
+            <a:ext cx="1278467" cy="1185334"/>
+          </a:xfrm>
+          <a:prstGeom prst="flowChartConnector">
+            <a:avLst/>
+          </a:prstGeom>
+          <a:solidFill>
+            <a:schemeClr val="bg2"/>
+          </a:solidFill>
+        </p:spPr>
+        <p:style>
+          <a:lnRef idx="2">
+            <a:schemeClr val="accent3"/>
+          </a:lnRef>
+          <a:fillRef idx="1">
+            <a:schemeClr val="lt1"/>
+          </a:fillRef>
+          <a:effectRef idx="0">
+            <a:schemeClr val="accent3"/>
+          </a:effectRef>
+          <a:fontRef idx="minor">
+            <a:schemeClr val="dk1"/>
+          </a:fontRef>
+        </p:style>
+        <p:txBody>
+          <a:bodyPr rtlCol="0" anchor="ctr"/>
+          <a:lstStyle/>
+          <a:p>
+            <a:pPr algn="ctr"/>
+            <a:endParaRPr lang="en-US"/>
+          </a:p>
+        </p:txBody>
+      </p:sp>
+      <p:sp>
+        <p:nvSpPr>
+          <p:cNvPr id="4" name="Rectangle 3">
+            <a:extLst>
+              <a:ext uri="{FF2B5EF4-FFF2-40B4-BE49-F238E27FC236}">
+                <a16:creationId xmlns:a16="http://schemas.microsoft.com/office/drawing/2014/main" id="{93B67DDE-2707-F38A-8B28-48F8A56DA49A}"/>
+              </a:ext>
+            </a:extLst>
+          </p:cNvPr>
+          <p:cNvSpPr/>
+          <p:nvPr/>
+        </p:nvSpPr>
+        <p:spPr>
+          <a:xfrm>
+            <a:off x="4649853" y="3989397"/>
+            <a:ext cx="1038098" cy="1073669"/>
+          </a:xfrm>
+          <a:prstGeom prst="rect">
+            <a:avLst/>
+          </a:prstGeom>
+        </p:spPr>
+        <p:style>
+          <a:lnRef idx="2">
+            <a:schemeClr val="accent3"/>
+          </a:lnRef>
+          <a:fillRef idx="1">
+            <a:schemeClr val="lt1"/>
+          </a:fillRef>
+          <a:effectRef idx="0">
+            <a:schemeClr val="accent3"/>
+          </a:effectRef>
+          <a:fontRef idx="minor">
+            <a:schemeClr val="dk1"/>
+          </a:fontRef>
+        </p:style>
+        <p:txBody>
+          <a:bodyPr rtlCol="0" anchor="ctr"/>
+          <a:lstStyle/>
+          <a:p>
+            <a:pPr algn="ctr"/>
+            <a:endParaRPr lang="en-US"/>
+          </a:p>
+        </p:txBody>
+      </p:sp>
+      <p:sp>
+        <p:nvSpPr>
+          <p:cNvPr id="5" name="Rectangle 4">
+            <a:extLst>
+              <a:ext uri="{FF2B5EF4-FFF2-40B4-BE49-F238E27FC236}">
+                <a16:creationId xmlns:a16="http://schemas.microsoft.com/office/drawing/2014/main" id="{FE5B3EE0-E3AA-F92F-A191-4AFB2500C7C9}"/>
+              </a:ext>
+            </a:extLst>
+          </p:cNvPr>
+          <p:cNvSpPr/>
+          <p:nvPr/>
+        </p:nvSpPr>
+        <p:spPr>
+          <a:xfrm>
+            <a:off x="4802253" y="4141797"/>
+            <a:ext cx="1038098" cy="1073669"/>
+          </a:xfrm>
+          <a:prstGeom prst="rect">
+            <a:avLst/>
+          </a:prstGeom>
+        </p:spPr>
+        <p:style>
+          <a:lnRef idx="2">
+            <a:schemeClr val="accent3"/>
+          </a:lnRef>
+          <a:fillRef idx="1">
+            <a:schemeClr val="lt1"/>
+          </a:fillRef>
+          <a:effectRef idx="0">
+            <a:schemeClr val="accent3"/>
+          </a:effectRef>
+          <a:fontRef idx="minor">
+            <a:schemeClr val="dk1"/>
+          </a:fontRef>
+        </p:style>
+        <p:txBody>
+          <a:bodyPr rtlCol="0" anchor="ctr"/>
+          <a:lstStyle/>
+          <a:p>
+            <a:pPr algn="ctr"/>
+            <a:endParaRPr lang="en-US"/>
+          </a:p>
+        </p:txBody>
+      </p:sp>
+      <p:sp>
+        <p:nvSpPr>
+          <p:cNvPr id="6" name="Cloud 5">
+            <a:extLst>
+              <a:ext uri="{FF2B5EF4-FFF2-40B4-BE49-F238E27FC236}">
+                <a16:creationId xmlns:a16="http://schemas.microsoft.com/office/drawing/2014/main" id="{C1361899-FCF1-3B3C-D94A-BB249619F803}"/>
+              </a:ext>
+            </a:extLst>
+          </p:cNvPr>
+          <p:cNvSpPr/>
+          <p:nvPr/>
+        </p:nvSpPr>
+        <p:spPr>
+          <a:xfrm>
+            <a:off x="7662336" y="2125133"/>
+            <a:ext cx="1278467" cy="1058334"/>
+          </a:xfrm>
+          <a:prstGeom prst="cloud">
+            <a:avLst/>
+          </a:prstGeom>
+        </p:spPr>
+        <p:style>
+          <a:lnRef idx="2">
+            <a:schemeClr val="accent4"/>
+          </a:lnRef>
+          <a:fillRef idx="1">
+            <a:schemeClr val="lt1"/>
+          </a:fillRef>
+          <a:effectRef idx="0">
+            <a:schemeClr val="accent4"/>
+          </a:effectRef>
+          <a:fontRef idx="minor">
+            <a:schemeClr val="dk1"/>
+          </a:fontRef>
+        </p:style>
+        <p:txBody>
+          <a:bodyPr rtlCol="0" anchor="ctr"/>
+          <a:lstStyle/>
+          <a:p>
+            <a:pPr algn="ctr"/>
+            <a:endParaRPr lang="en-US"/>
+          </a:p>
+        </p:txBody>
+      </p:sp>
+      <p:sp>
+        <p:nvSpPr>
+          <p:cNvPr id="7" name="Arrow: Right 6">
+            <a:extLst>
+              <a:ext uri="{FF2B5EF4-FFF2-40B4-BE49-F238E27FC236}">
+                <a16:creationId xmlns:a16="http://schemas.microsoft.com/office/drawing/2014/main" id="{B27A12A4-6F0F-6E57-ABAE-23C49568F034}"/>
+              </a:ext>
+            </a:extLst>
+          </p:cNvPr>
+          <p:cNvSpPr/>
+          <p:nvPr/>
+        </p:nvSpPr>
+        <p:spPr>
+          <a:xfrm>
+            <a:off x="2286000" y="2641600"/>
+            <a:ext cx="3217333" cy="227003"/>
+          </a:xfrm>
+          <a:prstGeom prst="rightArrow">
+            <a:avLst/>
+          </a:prstGeom>
+        </p:spPr>
+        <p:style>
+          <a:lnRef idx="2">
+            <a:schemeClr val="accent3"/>
+          </a:lnRef>
+          <a:fillRef idx="1">
+            <a:schemeClr val="lt1"/>
+          </a:fillRef>
+          <a:effectRef idx="0">
+            <a:schemeClr val="accent3"/>
+          </a:effectRef>
+          <a:fontRef idx="minor">
+            <a:schemeClr val="dk1"/>
+          </a:fontRef>
+        </p:style>
+        <p:txBody>
+          <a:bodyPr rtlCol="0" anchor="ctr"/>
+          <a:lstStyle/>
+          <a:p>
+            <a:pPr algn="ctr"/>
+            <a:endParaRPr lang="en-US"/>
+          </a:p>
+        </p:txBody>
+      </p:sp>
+      <p:sp>
+        <p:nvSpPr>
+          <p:cNvPr id="8" name="Arrow: Bent-Up 7">
+            <a:extLst>
+              <a:ext uri="{FF2B5EF4-FFF2-40B4-BE49-F238E27FC236}">
+                <a16:creationId xmlns:a16="http://schemas.microsoft.com/office/drawing/2014/main" id="{88260A7D-782C-E562-60C6-28B59DC00747}"/>
+              </a:ext>
+            </a:extLst>
+          </p:cNvPr>
+          <p:cNvSpPr/>
+          <p:nvPr/>
+        </p:nvSpPr>
+        <p:spPr>
+          <a:xfrm rot="5400000">
+            <a:off x="899324" y="3718724"/>
+            <a:ext cx="1858952" cy="457200"/>
+          </a:xfrm>
+          <a:prstGeom prst="bentUpArrow">
+            <a:avLst>
+              <a:gd name="adj1" fmla="val 23198"/>
+              <a:gd name="adj2" fmla="val 34152"/>
+              <a:gd name="adj3" fmla="val 23438"/>
+            </a:avLst>
+          </a:prstGeom>
+        </p:spPr>
+        <p:style>
+          <a:lnRef idx="2">
+            <a:schemeClr val="accent3"/>
+          </a:lnRef>
+          <a:fillRef idx="1">
+            <a:schemeClr val="lt1"/>
+          </a:fillRef>
+          <a:effectRef idx="0">
+            <a:schemeClr val="accent3"/>
+          </a:effectRef>
+          <a:fontRef idx="minor">
+            <a:schemeClr val="dk1"/>
+          </a:fontRef>
+        </p:style>
+        <p:txBody>
+          <a:bodyPr rtlCol="0" anchor="ctr"/>
+          <a:lstStyle/>
+          <a:p>
+            <a:pPr algn="ctr"/>
+            <a:endParaRPr lang="en-US"/>
+          </a:p>
+        </p:txBody>
+      </p:sp>
+      <p:sp>
+        <p:nvSpPr>
+          <p:cNvPr id="9" name="Arrow: Right 8">
+            <a:extLst>
+              <a:ext uri="{FF2B5EF4-FFF2-40B4-BE49-F238E27FC236}">
+                <a16:creationId xmlns:a16="http://schemas.microsoft.com/office/drawing/2014/main" id="{46427575-C750-E515-B17F-14F30F421B81}"/>
+              </a:ext>
+            </a:extLst>
+          </p:cNvPr>
+          <p:cNvSpPr/>
+          <p:nvPr/>
+        </p:nvSpPr>
+        <p:spPr>
+          <a:xfrm>
+            <a:off x="3632210" y="4678631"/>
+            <a:ext cx="876301" cy="227003"/>
+          </a:xfrm>
+          <a:prstGeom prst="rightArrow">
+            <a:avLst/>
+          </a:prstGeom>
+        </p:spPr>
+        <p:style>
+          <a:lnRef idx="2">
+            <a:schemeClr val="accent3"/>
+          </a:lnRef>
+          <a:fillRef idx="1">
+            <a:schemeClr val="lt1"/>
+          </a:fillRef>
+          <a:effectRef idx="0">
+            <a:schemeClr val="accent3"/>
+          </a:effectRef>
+          <a:fontRef idx="minor">
+            <a:schemeClr val="dk1"/>
+          </a:fontRef>
+        </p:style>
+        <p:txBody>
+          <a:bodyPr rtlCol="0" anchor="ctr"/>
+          <a:lstStyle/>
+          <a:p>
+            <a:pPr algn="ctr"/>
+            <a:endParaRPr lang="en-US"/>
+          </a:p>
+        </p:txBody>
+      </p:sp>
+      <p:sp>
+        <p:nvSpPr>
+          <p:cNvPr id="13" name="Arrow: Bent-Up 12">
+            <a:extLst>
+              <a:ext uri="{FF2B5EF4-FFF2-40B4-BE49-F238E27FC236}">
+                <a16:creationId xmlns:a16="http://schemas.microsoft.com/office/drawing/2014/main" id="{8DB00871-FF16-84F8-256B-8060F7E74765}"/>
+              </a:ext>
+            </a:extLst>
+          </p:cNvPr>
+          <p:cNvSpPr/>
+          <p:nvPr/>
+        </p:nvSpPr>
+        <p:spPr>
+          <a:xfrm>
+            <a:off x="5992752" y="3344333"/>
+            <a:ext cx="568916" cy="1302270"/>
+          </a:xfrm>
+          <a:prstGeom prst="bentUpArrow">
+            <a:avLst>
+              <a:gd name="adj1" fmla="val 23198"/>
+              <a:gd name="adj2" fmla="val 34152"/>
+              <a:gd name="adj3" fmla="val 23438"/>
+            </a:avLst>
+          </a:prstGeom>
+        </p:spPr>
+        <p:style>
+          <a:lnRef idx="2">
+            <a:schemeClr val="accent3"/>
+          </a:lnRef>
+          <a:fillRef idx="1">
+            <a:schemeClr val="lt1"/>
+          </a:fillRef>
+          <a:effectRef idx="0">
+            <a:schemeClr val="accent3"/>
+          </a:effectRef>
+          <a:fontRef idx="minor">
+            <a:schemeClr val="dk1"/>
+          </a:fontRef>
+        </p:style>
+        <p:txBody>
+          <a:bodyPr rtlCol="0" anchor="ctr"/>
+          <a:lstStyle/>
+          <a:p>
+            <a:pPr algn="ctr"/>
+            <a:endParaRPr lang="en-US"/>
+          </a:p>
+        </p:txBody>
+      </p:sp>
+      <p:sp>
+        <p:nvSpPr>
+          <p:cNvPr id="28" name="Arrow: Right 27">
+            <a:extLst>
+              <a:ext uri="{FF2B5EF4-FFF2-40B4-BE49-F238E27FC236}">
+                <a16:creationId xmlns:a16="http://schemas.microsoft.com/office/drawing/2014/main" id="{D37F276A-15ED-3A32-DCC5-BA1BC34BF018}"/>
+              </a:ext>
+            </a:extLst>
+          </p:cNvPr>
+          <p:cNvSpPr/>
+          <p:nvPr/>
+        </p:nvSpPr>
+        <p:spPr>
+          <a:xfrm>
+            <a:off x="7018870" y="2610109"/>
+            <a:ext cx="601131" cy="213468"/>
+          </a:xfrm>
+          <a:prstGeom prst="rightArrow">
+            <a:avLst/>
+          </a:prstGeom>
+        </p:spPr>
+        <p:style>
+          <a:lnRef idx="2">
+            <a:schemeClr val="accent3"/>
+          </a:lnRef>
+          <a:fillRef idx="1">
+            <a:schemeClr val="lt1"/>
+          </a:fillRef>
+          <a:effectRef idx="0">
+            <a:schemeClr val="accent3"/>
+          </a:effectRef>
+          <a:fontRef idx="minor">
+            <a:schemeClr val="dk1"/>
+          </a:fontRef>
+        </p:style>
+        <p:txBody>
+          <a:bodyPr rtlCol="0" anchor="ctr"/>
+          <a:lstStyle/>
+          <a:p>
+            <a:pPr algn="ctr"/>
+            <a:endParaRPr lang="en-US"/>
+          </a:p>
+        </p:txBody>
+      </p:sp>
+      <p:sp>
+        <p:nvSpPr>
+          <p:cNvPr id="29" name="TextBox 28">
+            <a:extLst>
+              <a:ext uri="{FF2B5EF4-FFF2-40B4-BE49-F238E27FC236}">
+                <a16:creationId xmlns:a16="http://schemas.microsoft.com/office/drawing/2014/main" id="{C5A6198A-DAFC-4F6A-DB14-8467711B4CCE}"/>
+              </a:ext>
+            </a:extLst>
+          </p:cNvPr>
+          <p:cNvSpPr txBox="1"/>
+          <p:nvPr/>
+        </p:nvSpPr>
+        <p:spPr>
+          <a:xfrm>
+            <a:off x="762284" y="2530049"/>
+            <a:ext cx="1032655" cy="338554"/>
+          </a:xfrm>
+          <a:prstGeom prst="rect">
+            <a:avLst/>
+          </a:prstGeom>
+          <a:noFill/>
+        </p:spPr>
+        <p:txBody>
+          <a:bodyPr wrap="none" rtlCol="0">
+            <a:spAutoFit/>
+          </a:bodyPr>
+          <a:lstStyle/>
+          <a:p>
+            <a:r>
+              <a:rPr lang="en-US" sz="1600" dirty="0"/>
+              <a:t>Question</a:t>
+            </a:r>
+          </a:p>
+        </p:txBody>
+      </p:sp>
+      <p:sp>
+        <p:nvSpPr>
+          <p:cNvPr id="30" name="TextBox 29">
+            <a:extLst>
+              <a:ext uri="{FF2B5EF4-FFF2-40B4-BE49-F238E27FC236}">
+                <a16:creationId xmlns:a16="http://schemas.microsoft.com/office/drawing/2014/main" id="{E89C3A0F-59CF-C15D-6921-2411ADA6568B}"/>
+              </a:ext>
+            </a:extLst>
+          </p:cNvPr>
+          <p:cNvSpPr txBox="1"/>
+          <p:nvPr/>
+        </p:nvSpPr>
+        <p:spPr>
+          <a:xfrm>
+            <a:off x="1224151" y="4876800"/>
+            <a:ext cx="1038099" cy="738664"/>
+          </a:xfrm>
+          <a:prstGeom prst="rect">
+            <a:avLst/>
+          </a:prstGeom>
+          <a:noFill/>
+        </p:spPr>
+        <p:txBody>
+          <a:bodyPr wrap="square" rtlCol="0">
+            <a:spAutoFit/>
+          </a:bodyPr>
+          <a:lstStyle/>
+          <a:p>
+            <a:pPr algn="ctr"/>
+            <a:r>
+              <a:rPr lang="en-US" sz="1400" dirty="0"/>
+              <a:t>Similarity Search</a:t>
+            </a:r>
+          </a:p>
+          <a:p>
+            <a:pPr algn="ctr"/>
+            <a:endParaRPr lang="en-US" sz="1400" dirty="0"/>
+          </a:p>
+        </p:txBody>
+      </p:sp>
+      <p:sp>
+        <p:nvSpPr>
+          <p:cNvPr id="31" name="TextBox 30">
+            <a:extLst>
+              <a:ext uri="{FF2B5EF4-FFF2-40B4-BE49-F238E27FC236}">
+                <a16:creationId xmlns:a16="http://schemas.microsoft.com/office/drawing/2014/main" id="{47BE5ED9-7EC0-3985-131A-4284D171E712}"/>
+              </a:ext>
+            </a:extLst>
+          </p:cNvPr>
+          <p:cNvSpPr txBox="1"/>
+          <p:nvPr/>
+        </p:nvSpPr>
+        <p:spPr>
+          <a:xfrm>
+            <a:off x="3595740" y="4885269"/>
+            <a:ext cx="1038099" cy="738664"/>
+          </a:xfrm>
+          <a:prstGeom prst="rect">
+            <a:avLst/>
+          </a:prstGeom>
+          <a:noFill/>
+        </p:spPr>
+        <p:txBody>
+          <a:bodyPr wrap="square" rtlCol="0">
+            <a:spAutoFit/>
+          </a:bodyPr>
+          <a:lstStyle/>
+          <a:p>
+            <a:pPr algn="ctr"/>
+            <a:r>
+              <a:rPr lang="en-US" sz="1400" dirty="0"/>
+              <a:t>Relevant Chunks</a:t>
+            </a:r>
+          </a:p>
+          <a:p>
+            <a:pPr algn="ctr"/>
+            <a:endParaRPr lang="en-US" sz="1400" dirty="0"/>
+          </a:p>
+        </p:txBody>
+      </p:sp>
+      <p:sp>
+        <p:nvSpPr>
+          <p:cNvPr id="32" name="TextBox 31">
+            <a:extLst>
+              <a:ext uri="{FF2B5EF4-FFF2-40B4-BE49-F238E27FC236}">
+                <a16:creationId xmlns:a16="http://schemas.microsoft.com/office/drawing/2014/main" id="{C2F3D8A6-2B8E-3F61-63FB-9D407E85C7C7}"/>
+              </a:ext>
+            </a:extLst>
+          </p:cNvPr>
+          <p:cNvSpPr txBox="1"/>
+          <p:nvPr/>
+        </p:nvSpPr>
+        <p:spPr>
+          <a:xfrm>
+            <a:off x="6129195" y="2496182"/>
+            <a:ext cx="579005" cy="338554"/>
+          </a:xfrm>
+          <a:prstGeom prst="rect">
+            <a:avLst/>
+          </a:prstGeom>
+          <a:noFill/>
+        </p:spPr>
+        <p:txBody>
+          <a:bodyPr wrap="none" rtlCol="0">
+            <a:spAutoFit/>
+          </a:bodyPr>
+          <a:lstStyle/>
+          <a:p>
+            <a:r>
+              <a:rPr lang="en-US" sz="1600" dirty="0"/>
+              <a:t>LLM</a:t>
+            </a:r>
+          </a:p>
+        </p:txBody>
+      </p:sp>
+      <p:sp>
+        <p:nvSpPr>
+          <p:cNvPr id="33" name="TextBox 32">
+            <a:extLst>
+              <a:ext uri="{FF2B5EF4-FFF2-40B4-BE49-F238E27FC236}">
+                <a16:creationId xmlns:a16="http://schemas.microsoft.com/office/drawing/2014/main" id="{30C9FC53-CA74-2A90-E23A-B3F55D46201B}"/>
+              </a:ext>
+            </a:extLst>
+          </p:cNvPr>
+          <p:cNvSpPr txBox="1"/>
+          <p:nvPr/>
+        </p:nvSpPr>
+        <p:spPr>
+          <a:xfrm>
+            <a:off x="7854331" y="2485023"/>
+            <a:ext cx="894476" cy="338554"/>
+          </a:xfrm>
+          <a:prstGeom prst="rect">
+            <a:avLst/>
+          </a:prstGeom>
+          <a:noFill/>
+        </p:spPr>
+        <p:txBody>
+          <a:bodyPr wrap="none" rtlCol="0">
+            <a:spAutoFit/>
+          </a:bodyPr>
+          <a:lstStyle/>
+          <a:p>
+            <a:r>
+              <a:rPr lang="en-US" sz="1600" dirty="0"/>
+              <a:t>Answer</a:t>
+            </a:r>
+          </a:p>
+        </p:txBody>
+      </p:sp>
+    </p:spTree>
+    <p:extLst>
+      <p:ext uri="{BB962C8B-B14F-4D97-AF65-F5344CB8AC3E}">
+        <p14:creationId xmlns:p14="http://schemas.microsoft.com/office/powerpoint/2010/main" val="3076044634"/>
+      </p:ext>
+    </p:extLst>
+  </p:cSld>
+  <p:clrMapOvr>
+    <a:masterClrMapping/>
+  </p:clrMapOvr>
+</p:sld>
+</file>
+
+<file path=ppt/slides/slide2.xml><?xml version="1.0" encoding="utf-8"?>
+<p:sld xmlns:a="http://schemas.openxmlformats.org/drawingml/2006/main" xmlns:r="http://schemas.openxmlformats.org/officeDocument/2006/relationships" xmlns:p="http://schemas.openxmlformats.org/presentationml/2006/main">
+  <p:cSld>
+    <p:spTree>
+      <p:nvGrpSpPr>
         <p:cNvPr id="1" name=""/>
         <p:cNvGrpSpPr/>
         <p:nvPr/>
@@ -4179,7 +5014,7 @@
 </p:sld>
 </file>
 
-<file path=ppt/slides/slide2.xml><?xml version="1.0" encoding="utf-8"?>
+<file path=ppt/slides/slide3.xml><?xml version="1.0" encoding="utf-8"?>
 <p:sld xmlns:a="http://schemas.openxmlformats.org/drawingml/2006/main" xmlns:r="http://schemas.openxmlformats.org/officeDocument/2006/relationships" xmlns:p="http://schemas.openxmlformats.org/presentationml/2006/main">
   <p:cSld>
     <p:spTree>
@@ -4792,7 +5627,7 @@
 </p:sld>
 </file>
 
-<file path=ppt/slides/slide3.xml><?xml version="1.0" encoding="utf-8"?>
+<file path=ppt/slides/slide4.xml><?xml version="1.0" encoding="utf-8"?>
 <p:sld xmlns:a="http://schemas.openxmlformats.org/drawingml/2006/main" xmlns:r="http://schemas.openxmlformats.org/officeDocument/2006/relationships" xmlns:p="http://schemas.openxmlformats.org/presentationml/2006/main">
   <p:cSld>
     <p:spTree>
@@ -5165,7 +6000,7 @@
 </p:sld>
 </file>
 
-<file path=ppt/slides/slide4.xml><?xml version="1.0" encoding="utf-8"?>
+<file path=ppt/slides/slide5.xml><?xml version="1.0" encoding="utf-8"?>
 <p:sld xmlns:a="http://schemas.openxmlformats.org/drawingml/2006/main" xmlns:r="http://schemas.openxmlformats.org/officeDocument/2006/relationships" xmlns:p="http://schemas.openxmlformats.org/presentationml/2006/main">
   <p:cSld>
     <p:spTree>
@@ -5549,7 +6384,7 @@
 </p:sld>
 </file>
 
-<file path=ppt/slides/slide5.xml><?xml version="1.0" encoding="utf-8"?>
+<file path=ppt/slides/slide6.xml><?xml version="1.0" encoding="utf-8"?>
 <p:sld xmlns:a="http://schemas.openxmlformats.org/drawingml/2006/main" xmlns:r="http://schemas.openxmlformats.org/officeDocument/2006/relationships" xmlns:p="http://schemas.openxmlformats.org/presentationml/2006/main">
   <p:cSld>
     <p:spTree>
@@ -5933,7 +6768,7 @@
 </p:sld>
 </file>
 
-<file path=ppt/slides/slide6.xml><?xml version="1.0" encoding="utf-8"?>
+<file path=ppt/slides/slide7.xml><?xml version="1.0" encoding="utf-8"?>
 <p:sld xmlns:a="http://schemas.openxmlformats.org/drawingml/2006/main" xmlns:r="http://schemas.openxmlformats.org/officeDocument/2006/relationships" xmlns:p="http://schemas.openxmlformats.org/presentationml/2006/main">
   <p:cSld>
     <p:spTree>
@@ -6436,7 +7271,7 @@
 </p:sld>
 </file>
 
-<file path=ppt/slides/slide7.xml><?xml version="1.0" encoding="utf-8"?>
+<file path=ppt/slides/slide8.xml><?xml version="1.0" encoding="utf-8"?>
 <p:sld xmlns:a="http://schemas.openxmlformats.org/drawingml/2006/main" xmlns:r="http://schemas.openxmlformats.org/officeDocument/2006/relationships" xmlns:p="http://schemas.openxmlformats.org/presentationml/2006/main">
   <p:cSld>
     <p:spTree>
@@ -6502,7 +7337,7 @@
 </p:sld>
 </file>
 
-<file path=ppt/slides/slide8.xml><?xml version="1.0" encoding="utf-8"?>
+<file path=ppt/slides/slide9.xml><?xml version="1.0" encoding="utf-8"?>
 <p:sld xmlns:a="http://schemas.openxmlformats.org/drawingml/2006/main" xmlns:r="http://schemas.openxmlformats.org/officeDocument/2006/relationships" xmlns:p="http://schemas.openxmlformats.org/presentationml/2006/main">
   <p:cSld>
     <p:spTree>
@@ -7348,774 +8183,6 @@
     <p:extLst>
       <p:ext uri="{BB962C8B-B14F-4D97-AF65-F5344CB8AC3E}">
         <p14:creationId xmlns:p14="http://schemas.microsoft.com/office/powerpoint/2010/main" val="1424560833"/>
-      </p:ext>
-    </p:extLst>
-  </p:cSld>
-  <p:clrMapOvr>
-    <a:masterClrMapping/>
-  </p:clrMapOvr>
-</p:sld>
-</file>
-
-<file path=ppt/slides/slide9.xml><?xml version="1.0" encoding="utf-8"?>
-<p:sld xmlns:a="http://schemas.openxmlformats.org/drawingml/2006/main" xmlns:r="http://schemas.openxmlformats.org/officeDocument/2006/relationships" xmlns:p="http://schemas.openxmlformats.org/presentationml/2006/main">
-  <p:cSld>
-    <p:spTree>
-      <p:nvGrpSpPr>
-        <p:cNvPr id="1" name="">
-          <a:extLst>
-            <a:ext uri="{FF2B5EF4-FFF2-40B4-BE49-F238E27FC236}">
-              <a16:creationId xmlns:a16="http://schemas.microsoft.com/office/drawing/2014/main" id="{00F8AEDC-3025-BE8B-73B7-76D9160FB6B8}"/>
-            </a:ext>
-          </a:extLst>
-        </p:cNvPr>
-        <p:cNvGrpSpPr/>
-        <p:nvPr/>
-      </p:nvGrpSpPr>
-      <p:grpSpPr>
-        <a:xfrm>
-          <a:off x="0" y="0"/>
-          <a:ext cx="0" cy="0"/>
-          <a:chOff x="0" y="0"/>
-          <a:chExt cx="0" cy="0"/>
-        </a:xfrm>
-      </p:grpSpPr>
-      <p:sp>
-        <p:nvSpPr>
-          <p:cNvPr id="21" name="Flowchart: Magnetic Disk 20">
-            <a:extLst>
-              <a:ext uri="{FF2B5EF4-FFF2-40B4-BE49-F238E27FC236}">
-                <a16:creationId xmlns:a16="http://schemas.microsoft.com/office/drawing/2014/main" id="{9EF38951-F783-8406-9CE7-484F62456E4C}"/>
-              </a:ext>
-            </a:extLst>
-          </p:cNvPr>
-          <p:cNvSpPr/>
-          <p:nvPr/>
-        </p:nvSpPr>
-        <p:spPr>
-          <a:xfrm>
-            <a:off x="2342219" y="3815153"/>
-            <a:ext cx="1189566" cy="1583267"/>
-          </a:xfrm>
-          <a:prstGeom prst="flowChartMagneticDisk">
-            <a:avLst/>
-          </a:prstGeom>
-          <a:solidFill>
-            <a:schemeClr val="accent3">
-              <a:lumMod val="20000"/>
-              <a:lumOff val="80000"/>
-            </a:schemeClr>
-          </a:solidFill>
-          <a:ln w="19050"/>
-        </p:spPr>
-        <p:style>
-          <a:lnRef idx="2">
-            <a:schemeClr val="accent3"/>
-          </a:lnRef>
-          <a:fillRef idx="1">
-            <a:schemeClr val="lt1"/>
-          </a:fillRef>
-          <a:effectRef idx="0">
-            <a:schemeClr val="accent3"/>
-          </a:effectRef>
-          <a:fontRef idx="minor">
-            <a:schemeClr val="dk1"/>
-          </a:fontRef>
-        </p:style>
-        <p:txBody>
-          <a:bodyPr rtlCol="0" anchor="ctr"/>
-          <a:lstStyle/>
-          <a:p>
-            <a:pPr algn="ctr"/>
-            <a:endParaRPr lang="en-US"/>
-          </a:p>
-        </p:txBody>
-      </p:sp>
-      <p:sp>
-        <p:nvSpPr>
-          <p:cNvPr id="27" name="TextBox 26">
-            <a:extLst>
-              <a:ext uri="{FF2B5EF4-FFF2-40B4-BE49-F238E27FC236}">
-                <a16:creationId xmlns:a16="http://schemas.microsoft.com/office/drawing/2014/main" id="{B771BAA9-826C-7206-843D-03ACB3617BF8}"/>
-              </a:ext>
-            </a:extLst>
-          </p:cNvPr>
-          <p:cNvSpPr txBox="1"/>
-          <p:nvPr/>
-        </p:nvSpPr>
-        <p:spPr>
-          <a:xfrm>
-            <a:off x="2374402" y="4876800"/>
-            <a:ext cx="1205324" cy="523220"/>
-          </a:xfrm>
-          <a:prstGeom prst="rect">
-            <a:avLst/>
-          </a:prstGeom>
-          <a:noFill/>
-        </p:spPr>
-        <p:txBody>
-          <a:bodyPr wrap="square" rtlCol="0">
-            <a:spAutoFit/>
-          </a:bodyPr>
-          <a:lstStyle/>
-          <a:p>
-            <a:pPr algn="ctr"/>
-            <a:r>
-              <a:rPr lang="en-US" sz="1400" dirty="0"/>
-              <a:t>Vector store</a:t>
-            </a:r>
-          </a:p>
-          <a:p>
-            <a:pPr algn="ctr"/>
-            <a:endParaRPr lang="en-US" sz="1400" dirty="0"/>
-          </a:p>
-        </p:txBody>
-      </p:sp>
-      <p:sp>
-        <p:nvSpPr>
-          <p:cNvPr id="2" name="Rectangle 1">
-            <a:extLst>
-              <a:ext uri="{FF2B5EF4-FFF2-40B4-BE49-F238E27FC236}">
-                <a16:creationId xmlns:a16="http://schemas.microsoft.com/office/drawing/2014/main" id="{9BE929E6-E7DB-D22C-8609-DFBB71E87D92}"/>
-              </a:ext>
-            </a:extLst>
-          </p:cNvPr>
-          <p:cNvSpPr/>
-          <p:nvPr/>
-        </p:nvSpPr>
-        <p:spPr>
-          <a:xfrm>
-            <a:off x="499538" y="2514600"/>
-            <a:ext cx="1583267" cy="414867"/>
-          </a:xfrm>
-          <a:prstGeom prst="rect">
-            <a:avLst/>
-          </a:prstGeom>
-          <a:solidFill>
-            <a:schemeClr val="bg1"/>
-          </a:solidFill>
-        </p:spPr>
-        <p:style>
-          <a:lnRef idx="2">
-            <a:schemeClr val="accent1">
-              <a:shade val="15000"/>
-            </a:schemeClr>
-          </a:lnRef>
-          <a:fillRef idx="1">
-            <a:schemeClr val="accent1"/>
-          </a:fillRef>
-          <a:effectRef idx="0">
-            <a:schemeClr val="accent1"/>
-          </a:effectRef>
-          <a:fontRef idx="minor">
-            <a:schemeClr val="lt1"/>
-          </a:fontRef>
-        </p:style>
-        <p:txBody>
-          <a:bodyPr rtlCol="0" anchor="ctr"/>
-          <a:lstStyle/>
-          <a:p>
-            <a:pPr algn="ctr"/>
-            <a:endParaRPr lang="en-US"/>
-          </a:p>
-        </p:txBody>
-      </p:sp>
-      <p:sp>
-        <p:nvSpPr>
-          <p:cNvPr id="3" name="Flowchart: Connector 2">
-            <a:extLst>
-              <a:ext uri="{FF2B5EF4-FFF2-40B4-BE49-F238E27FC236}">
-                <a16:creationId xmlns:a16="http://schemas.microsoft.com/office/drawing/2014/main" id="{38F81B83-A7A2-C52F-42FC-2B7251822205}"/>
-              </a:ext>
-            </a:extLst>
-          </p:cNvPr>
-          <p:cNvSpPr/>
-          <p:nvPr/>
-        </p:nvSpPr>
-        <p:spPr>
-          <a:xfrm>
-            <a:off x="5698068" y="2061633"/>
-            <a:ext cx="1278467" cy="1185334"/>
-          </a:xfrm>
-          <a:prstGeom prst="flowChartConnector">
-            <a:avLst/>
-          </a:prstGeom>
-          <a:solidFill>
-            <a:schemeClr val="bg2"/>
-          </a:solidFill>
-        </p:spPr>
-        <p:style>
-          <a:lnRef idx="2">
-            <a:schemeClr val="accent3"/>
-          </a:lnRef>
-          <a:fillRef idx="1">
-            <a:schemeClr val="lt1"/>
-          </a:fillRef>
-          <a:effectRef idx="0">
-            <a:schemeClr val="accent3"/>
-          </a:effectRef>
-          <a:fontRef idx="minor">
-            <a:schemeClr val="dk1"/>
-          </a:fontRef>
-        </p:style>
-        <p:txBody>
-          <a:bodyPr rtlCol="0" anchor="ctr"/>
-          <a:lstStyle/>
-          <a:p>
-            <a:pPr algn="ctr"/>
-            <a:endParaRPr lang="en-US"/>
-          </a:p>
-        </p:txBody>
-      </p:sp>
-      <p:sp>
-        <p:nvSpPr>
-          <p:cNvPr id="4" name="Rectangle 3">
-            <a:extLst>
-              <a:ext uri="{FF2B5EF4-FFF2-40B4-BE49-F238E27FC236}">
-                <a16:creationId xmlns:a16="http://schemas.microsoft.com/office/drawing/2014/main" id="{93B67DDE-2707-F38A-8B28-48F8A56DA49A}"/>
-              </a:ext>
-            </a:extLst>
-          </p:cNvPr>
-          <p:cNvSpPr/>
-          <p:nvPr/>
-        </p:nvSpPr>
-        <p:spPr>
-          <a:xfrm>
-            <a:off x="4649853" y="3989397"/>
-            <a:ext cx="1038098" cy="1073669"/>
-          </a:xfrm>
-          <a:prstGeom prst="rect">
-            <a:avLst/>
-          </a:prstGeom>
-        </p:spPr>
-        <p:style>
-          <a:lnRef idx="2">
-            <a:schemeClr val="accent3"/>
-          </a:lnRef>
-          <a:fillRef idx="1">
-            <a:schemeClr val="lt1"/>
-          </a:fillRef>
-          <a:effectRef idx="0">
-            <a:schemeClr val="accent3"/>
-          </a:effectRef>
-          <a:fontRef idx="minor">
-            <a:schemeClr val="dk1"/>
-          </a:fontRef>
-        </p:style>
-        <p:txBody>
-          <a:bodyPr rtlCol="0" anchor="ctr"/>
-          <a:lstStyle/>
-          <a:p>
-            <a:pPr algn="ctr"/>
-            <a:endParaRPr lang="en-US"/>
-          </a:p>
-        </p:txBody>
-      </p:sp>
-      <p:sp>
-        <p:nvSpPr>
-          <p:cNvPr id="5" name="Rectangle 4">
-            <a:extLst>
-              <a:ext uri="{FF2B5EF4-FFF2-40B4-BE49-F238E27FC236}">
-                <a16:creationId xmlns:a16="http://schemas.microsoft.com/office/drawing/2014/main" id="{FE5B3EE0-E3AA-F92F-A191-4AFB2500C7C9}"/>
-              </a:ext>
-            </a:extLst>
-          </p:cNvPr>
-          <p:cNvSpPr/>
-          <p:nvPr/>
-        </p:nvSpPr>
-        <p:spPr>
-          <a:xfrm>
-            <a:off x="4802253" y="4141797"/>
-            <a:ext cx="1038098" cy="1073669"/>
-          </a:xfrm>
-          <a:prstGeom prst="rect">
-            <a:avLst/>
-          </a:prstGeom>
-        </p:spPr>
-        <p:style>
-          <a:lnRef idx="2">
-            <a:schemeClr val="accent3"/>
-          </a:lnRef>
-          <a:fillRef idx="1">
-            <a:schemeClr val="lt1"/>
-          </a:fillRef>
-          <a:effectRef idx="0">
-            <a:schemeClr val="accent3"/>
-          </a:effectRef>
-          <a:fontRef idx="minor">
-            <a:schemeClr val="dk1"/>
-          </a:fontRef>
-        </p:style>
-        <p:txBody>
-          <a:bodyPr rtlCol="0" anchor="ctr"/>
-          <a:lstStyle/>
-          <a:p>
-            <a:pPr algn="ctr"/>
-            <a:endParaRPr lang="en-US"/>
-          </a:p>
-        </p:txBody>
-      </p:sp>
-      <p:sp>
-        <p:nvSpPr>
-          <p:cNvPr id="6" name="Cloud 5">
-            <a:extLst>
-              <a:ext uri="{FF2B5EF4-FFF2-40B4-BE49-F238E27FC236}">
-                <a16:creationId xmlns:a16="http://schemas.microsoft.com/office/drawing/2014/main" id="{C1361899-FCF1-3B3C-D94A-BB249619F803}"/>
-              </a:ext>
-            </a:extLst>
-          </p:cNvPr>
-          <p:cNvSpPr/>
-          <p:nvPr/>
-        </p:nvSpPr>
-        <p:spPr>
-          <a:xfrm>
-            <a:off x="7662336" y="2125133"/>
-            <a:ext cx="1278467" cy="1058334"/>
-          </a:xfrm>
-          <a:prstGeom prst="cloud">
-            <a:avLst/>
-          </a:prstGeom>
-        </p:spPr>
-        <p:style>
-          <a:lnRef idx="2">
-            <a:schemeClr val="accent4"/>
-          </a:lnRef>
-          <a:fillRef idx="1">
-            <a:schemeClr val="lt1"/>
-          </a:fillRef>
-          <a:effectRef idx="0">
-            <a:schemeClr val="accent4"/>
-          </a:effectRef>
-          <a:fontRef idx="minor">
-            <a:schemeClr val="dk1"/>
-          </a:fontRef>
-        </p:style>
-        <p:txBody>
-          <a:bodyPr rtlCol="0" anchor="ctr"/>
-          <a:lstStyle/>
-          <a:p>
-            <a:pPr algn="ctr"/>
-            <a:endParaRPr lang="en-US"/>
-          </a:p>
-        </p:txBody>
-      </p:sp>
-      <p:sp>
-        <p:nvSpPr>
-          <p:cNvPr id="7" name="Arrow: Right 6">
-            <a:extLst>
-              <a:ext uri="{FF2B5EF4-FFF2-40B4-BE49-F238E27FC236}">
-                <a16:creationId xmlns:a16="http://schemas.microsoft.com/office/drawing/2014/main" id="{B27A12A4-6F0F-6E57-ABAE-23C49568F034}"/>
-              </a:ext>
-            </a:extLst>
-          </p:cNvPr>
-          <p:cNvSpPr/>
-          <p:nvPr/>
-        </p:nvSpPr>
-        <p:spPr>
-          <a:xfrm>
-            <a:off x="2286000" y="2641600"/>
-            <a:ext cx="3217333" cy="227003"/>
-          </a:xfrm>
-          <a:prstGeom prst="rightArrow">
-            <a:avLst/>
-          </a:prstGeom>
-        </p:spPr>
-        <p:style>
-          <a:lnRef idx="2">
-            <a:schemeClr val="accent3"/>
-          </a:lnRef>
-          <a:fillRef idx="1">
-            <a:schemeClr val="lt1"/>
-          </a:fillRef>
-          <a:effectRef idx="0">
-            <a:schemeClr val="accent3"/>
-          </a:effectRef>
-          <a:fontRef idx="minor">
-            <a:schemeClr val="dk1"/>
-          </a:fontRef>
-        </p:style>
-        <p:txBody>
-          <a:bodyPr rtlCol="0" anchor="ctr"/>
-          <a:lstStyle/>
-          <a:p>
-            <a:pPr algn="ctr"/>
-            <a:endParaRPr lang="en-US"/>
-          </a:p>
-        </p:txBody>
-      </p:sp>
-      <p:sp>
-        <p:nvSpPr>
-          <p:cNvPr id="8" name="Arrow: Bent-Up 7">
-            <a:extLst>
-              <a:ext uri="{FF2B5EF4-FFF2-40B4-BE49-F238E27FC236}">
-                <a16:creationId xmlns:a16="http://schemas.microsoft.com/office/drawing/2014/main" id="{88260A7D-782C-E562-60C6-28B59DC00747}"/>
-              </a:ext>
-            </a:extLst>
-          </p:cNvPr>
-          <p:cNvSpPr/>
-          <p:nvPr/>
-        </p:nvSpPr>
-        <p:spPr>
-          <a:xfrm rot="5400000">
-            <a:off x="899324" y="3718724"/>
-            <a:ext cx="1858952" cy="457200"/>
-          </a:xfrm>
-          <a:prstGeom prst="bentUpArrow">
-            <a:avLst>
-              <a:gd name="adj1" fmla="val 23198"/>
-              <a:gd name="adj2" fmla="val 34152"/>
-              <a:gd name="adj3" fmla="val 23438"/>
-            </a:avLst>
-          </a:prstGeom>
-        </p:spPr>
-        <p:style>
-          <a:lnRef idx="2">
-            <a:schemeClr val="accent3"/>
-          </a:lnRef>
-          <a:fillRef idx="1">
-            <a:schemeClr val="lt1"/>
-          </a:fillRef>
-          <a:effectRef idx="0">
-            <a:schemeClr val="accent3"/>
-          </a:effectRef>
-          <a:fontRef idx="minor">
-            <a:schemeClr val="dk1"/>
-          </a:fontRef>
-        </p:style>
-        <p:txBody>
-          <a:bodyPr rtlCol="0" anchor="ctr"/>
-          <a:lstStyle/>
-          <a:p>
-            <a:pPr algn="ctr"/>
-            <a:endParaRPr lang="en-US"/>
-          </a:p>
-        </p:txBody>
-      </p:sp>
-      <p:sp>
-        <p:nvSpPr>
-          <p:cNvPr id="9" name="Arrow: Right 8">
-            <a:extLst>
-              <a:ext uri="{FF2B5EF4-FFF2-40B4-BE49-F238E27FC236}">
-                <a16:creationId xmlns:a16="http://schemas.microsoft.com/office/drawing/2014/main" id="{46427575-C750-E515-B17F-14F30F421B81}"/>
-              </a:ext>
-            </a:extLst>
-          </p:cNvPr>
-          <p:cNvSpPr/>
-          <p:nvPr/>
-        </p:nvSpPr>
-        <p:spPr>
-          <a:xfrm>
-            <a:off x="3632210" y="4678631"/>
-            <a:ext cx="876301" cy="227003"/>
-          </a:xfrm>
-          <a:prstGeom prst="rightArrow">
-            <a:avLst/>
-          </a:prstGeom>
-        </p:spPr>
-        <p:style>
-          <a:lnRef idx="2">
-            <a:schemeClr val="accent3"/>
-          </a:lnRef>
-          <a:fillRef idx="1">
-            <a:schemeClr val="lt1"/>
-          </a:fillRef>
-          <a:effectRef idx="0">
-            <a:schemeClr val="accent3"/>
-          </a:effectRef>
-          <a:fontRef idx="minor">
-            <a:schemeClr val="dk1"/>
-          </a:fontRef>
-        </p:style>
-        <p:txBody>
-          <a:bodyPr rtlCol="0" anchor="ctr"/>
-          <a:lstStyle/>
-          <a:p>
-            <a:pPr algn="ctr"/>
-            <a:endParaRPr lang="en-US"/>
-          </a:p>
-        </p:txBody>
-      </p:sp>
-      <p:sp>
-        <p:nvSpPr>
-          <p:cNvPr id="13" name="Arrow: Bent-Up 12">
-            <a:extLst>
-              <a:ext uri="{FF2B5EF4-FFF2-40B4-BE49-F238E27FC236}">
-                <a16:creationId xmlns:a16="http://schemas.microsoft.com/office/drawing/2014/main" id="{8DB00871-FF16-84F8-256B-8060F7E74765}"/>
-              </a:ext>
-            </a:extLst>
-          </p:cNvPr>
-          <p:cNvSpPr/>
-          <p:nvPr/>
-        </p:nvSpPr>
-        <p:spPr>
-          <a:xfrm>
-            <a:off x="5992752" y="3344333"/>
-            <a:ext cx="568916" cy="1302270"/>
-          </a:xfrm>
-          <a:prstGeom prst="bentUpArrow">
-            <a:avLst>
-              <a:gd name="adj1" fmla="val 23198"/>
-              <a:gd name="adj2" fmla="val 34152"/>
-              <a:gd name="adj3" fmla="val 23438"/>
-            </a:avLst>
-          </a:prstGeom>
-        </p:spPr>
-        <p:style>
-          <a:lnRef idx="2">
-            <a:schemeClr val="accent3"/>
-          </a:lnRef>
-          <a:fillRef idx="1">
-            <a:schemeClr val="lt1"/>
-          </a:fillRef>
-          <a:effectRef idx="0">
-            <a:schemeClr val="accent3"/>
-          </a:effectRef>
-          <a:fontRef idx="minor">
-            <a:schemeClr val="dk1"/>
-          </a:fontRef>
-        </p:style>
-        <p:txBody>
-          <a:bodyPr rtlCol="0" anchor="ctr"/>
-          <a:lstStyle/>
-          <a:p>
-            <a:pPr algn="ctr"/>
-            <a:endParaRPr lang="en-US"/>
-          </a:p>
-        </p:txBody>
-      </p:sp>
-      <p:sp>
-        <p:nvSpPr>
-          <p:cNvPr id="28" name="Arrow: Right 27">
-            <a:extLst>
-              <a:ext uri="{FF2B5EF4-FFF2-40B4-BE49-F238E27FC236}">
-                <a16:creationId xmlns:a16="http://schemas.microsoft.com/office/drawing/2014/main" id="{D37F276A-15ED-3A32-DCC5-BA1BC34BF018}"/>
-              </a:ext>
-            </a:extLst>
-          </p:cNvPr>
-          <p:cNvSpPr/>
-          <p:nvPr/>
-        </p:nvSpPr>
-        <p:spPr>
-          <a:xfrm>
-            <a:off x="7018870" y="2610109"/>
-            <a:ext cx="601131" cy="213468"/>
-          </a:xfrm>
-          <a:prstGeom prst="rightArrow">
-            <a:avLst/>
-          </a:prstGeom>
-        </p:spPr>
-        <p:style>
-          <a:lnRef idx="2">
-            <a:schemeClr val="accent3"/>
-          </a:lnRef>
-          <a:fillRef idx="1">
-            <a:schemeClr val="lt1"/>
-          </a:fillRef>
-          <a:effectRef idx="0">
-            <a:schemeClr val="accent3"/>
-          </a:effectRef>
-          <a:fontRef idx="minor">
-            <a:schemeClr val="dk1"/>
-          </a:fontRef>
-        </p:style>
-        <p:txBody>
-          <a:bodyPr rtlCol="0" anchor="ctr"/>
-          <a:lstStyle/>
-          <a:p>
-            <a:pPr algn="ctr"/>
-            <a:endParaRPr lang="en-US"/>
-          </a:p>
-        </p:txBody>
-      </p:sp>
-      <p:sp>
-        <p:nvSpPr>
-          <p:cNvPr id="29" name="TextBox 28">
-            <a:extLst>
-              <a:ext uri="{FF2B5EF4-FFF2-40B4-BE49-F238E27FC236}">
-                <a16:creationId xmlns:a16="http://schemas.microsoft.com/office/drawing/2014/main" id="{C5A6198A-DAFC-4F6A-DB14-8467711B4CCE}"/>
-              </a:ext>
-            </a:extLst>
-          </p:cNvPr>
-          <p:cNvSpPr txBox="1"/>
-          <p:nvPr/>
-        </p:nvSpPr>
-        <p:spPr>
-          <a:xfrm>
-            <a:off x="762284" y="2530049"/>
-            <a:ext cx="1032655" cy="338554"/>
-          </a:xfrm>
-          <a:prstGeom prst="rect">
-            <a:avLst/>
-          </a:prstGeom>
-          <a:noFill/>
-        </p:spPr>
-        <p:txBody>
-          <a:bodyPr wrap="none" rtlCol="0">
-            <a:spAutoFit/>
-          </a:bodyPr>
-          <a:lstStyle/>
-          <a:p>
-            <a:r>
-              <a:rPr lang="en-US" sz="1600" dirty="0"/>
-              <a:t>Question</a:t>
-            </a:r>
-          </a:p>
-        </p:txBody>
-      </p:sp>
-      <p:sp>
-        <p:nvSpPr>
-          <p:cNvPr id="30" name="TextBox 29">
-            <a:extLst>
-              <a:ext uri="{FF2B5EF4-FFF2-40B4-BE49-F238E27FC236}">
-                <a16:creationId xmlns:a16="http://schemas.microsoft.com/office/drawing/2014/main" id="{E89C3A0F-59CF-C15D-6921-2411ADA6568B}"/>
-              </a:ext>
-            </a:extLst>
-          </p:cNvPr>
-          <p:cNvSpPr txBox="1"/>
-          <p:nvPr/>
-        </p:nvSpPr>
-        <p:spPr>
-          <a:xfrm>
-            <a:off x="1224151" y="4876800"/>
-            <a:ext cx="1038099" cy="738664"/>
-          </a:xfrm>
-          <a:prstGeom prst="rect">
-            <a:avLst/>
-          </a:prstGeom>
-          <a:noFill/>
-        </p:spPr>
-        <p:txBody>
-          <a:bodyPr wrap="square" rtlCol="0">
-            <a:spAutoFit/>
-          </a:bodyPr>
-          <a:lstStyle/>
-          <a:p>
-            <a:pPr algn="ctr"/>
-            <a:r>
-              <a:rPr lang="en-US" sz="1400" dirty="0"/>
-              <a:t>Similarity Search</a:t>
-            </a:r>
-          </a:p>
-          <a:p>
-            <a:pPr algn="ctr"/>
-            <a:endParaRPr lang="en-US" sz="1400" dirty="0"/>
-          </a:p>
-        </p:txBody>
-      </p:sp>
-      <p:sp>
-        <p:nvSpPr>
-          <p:cNvPr id="31" name="TextBox 30">
-            <a:extLst>
-              <a:ext uri="{FF2B5EF4-FFF2-40B4-BE49-F238E27FC236}">
-                <a16:creationId xmlns:a16="http://schemas.microsoft.com/office/drawing/2014/main" id="{47BE5ED9-7EC0-3985-131A-4284D171E712}"/>
-              </a:ext>
-            </a:extLst>
-          </p:cNvPr>
-          <p:cNvSpPr txBox="1"/>
-          <p:nvPr/>
-        </p:nvSpPr>
-        <p:spPr>
-          <a:xfrm>
-            <a:off x="3595740" y="4885269"/>
-            <a:ext cx="1038099" cy="738664"/>
-          </a:xfrm>
-          <a:prstGeom prst="rect">
-            <a:avLst/>
-          </a:prstGeom>
-          <a:noFill/>
-        </p:spPr>
-        <p:txBody>
-          <a:bodyPr wrap="square" rtlCol="0">
-            <a:spAutoFit/>
-          </a:bodyPr>
-          <a:lstStyle/>
-          <a:p>
-            <a:pPr algn="ctr"/>
-            <a:r>
-              <a:rPr lang="en-US" sz="1400" dirty="0"/>
-              <a:t>Relevant Chunks</a:t>
-            </a:r>
-          </a:p>
-          <a:p>
-            <a:pPr algn="ctr"/>
-            <a:endParaRPr lang="en-US" sz="1400" dirty="0"/>
-          </a:p>
-        </p:txBody>
-      </p:sp>
-      <p:sp>
-        <p:nvSpPr>
-          <p:cNvPr id="32" name="TextBox 31">
-            <a:extLst>
-              <a:ext uri="{FF2B5EF4-FFF2-40B4-BE49-F238E27FC236}">
-                <a16:creationId xmlns:a16="http://schemas.microsoft.com/office/drawing/2014/main" id="{C2F3D8A6-2B8E-3F61-63FB-9D407E85C7C7}"/>
-              </a:ext>
-            </a:extLst>
-          </p:cNvPr>
-          <p:cNvSpPr txBox="1"/>
-          <p:nvPr/>
-        </p:nvSpPr>
-        <p:spPr>
-          <a:xfrm>
-            <a:off x="6129195" y="2496182"/>
-            <a:ext cx="579005" cy="338554"/>
-          </a:xfrm>
-          <a:prstGeom prst="rect">
-            <a:avLst/>
-          </a:prstGeom>
-          <a:noFill/>
-        </p:spPr>
-        <p:txBody>
-          <a:bodyPr wrap="none" rtlCol="0">
-            <a:spAutoFit/>
-          </a:bodyPr>
-          <a:lstStyle/>
-          <a:p>
-            <a:r>
-              <a:rPr lang="en-US" sz="1600" dirty="0"/>
-              <a:t>LLM</a:t>
-            </a:r>
-          </a:p>
-        </p:txBody>
-      </p:sp>
-      <p:sp>
-        <p:nvSpPr>
-          <p:cNvPr id="33" name="TextBox 32">
-            <a:extLst>
-              <a:ext uri="{FF2B5EF4-FFF2-40B4-BE49-F238E27FC236}">
-                <a16:creationId xmlns:a16="http://schemas.microsoft.com/office/drawing/2014/main" id="{30C9FC53-CA74-2A90-E23A-B3F55D46201B}"/>
-              </a:ext>
-            </a:extLst>
-          </p:cNvPr>
-          <p:cNvSpPr txBox="1"/>
-          <p:nvPr/>
-        </p:nvSpPr>
-        <p:spPr>
-          <a:xfrm>
-            <a:off x="7854331" y="2485023"/>
-            <a:ext cx="894476" cy="338554"/>
-          </a:xfrm>
-          <a:prstGeom prst="rect">
-            <a:avLst/>
-          </a:prstGeom>
-          <a:noFill/>
-        </p:spPr>
-        <p:txBody>
-          <a:bodyPr wrap="none" rtlCol="0">
-            <a:spAutoFit/>
-          </a:bodyPr>
-          <a:lstStyle/>
-          <a:p>
-            <a:r>
-              <a:rPr lang="en-US" sz="1600" dirty="0"/>
-              <a:t>Answer</a:t>
-            </a:r>
-          </a:p>
-        </p:txBody>
-      </p:sp>
-    </p:spTree>
-    <p:extLst>
-      <p:ext uri="{BB962C8B-B14F-4D97-AF65-F5344CB8AC3E}">
-        <p14:creationId xmlns:p14="http://schemas.microsoft.com/office/powerpoint/2010/main" val="3076044634"/>
       </p:ext>
     </p:extLst>
   </p:cSld>
